--- a/FINAL.pptx
+++ b/FINAL.pptx
@@ -447,11 +447,11 @@
           <c:showBubbleSize val="0"/>
         </c:dLbls>
         <c:smooth val="0"/>
-        <c:axId val="-1861256096"/>
-        <c:axId val="-1399485984"/>
+        <c:axId val="640768976"/>
+        <c:axId val="640775504"/>
       </c:lineChart>
       <c:catAx>
-        <c:axId val="-1861256096"/>
+        <c:axId val="640768976"/>
         <c:scaling>
           <c:orientation val="minMax"/>
         </c:scaling>
@@ -550,7 +550,7 @@
             <a:endParaRPr lang="de-DE"/>
           </a:p>
         </c:txPr>
-        <c:crossAx val="-1399485984"/>
+        <c:crossAx val="640775504"/>
         <c:crosses val="autoZero"/>
         <c:auto val="1"/>
         <c:lblAlgn val="ctr"/>
@@ -558,7 +558,7 @@
         <c:noMultiLvlLbl val="0"/>
       </c:catAx>
       <c:valAx>
-        <c:axId val="-1399485984"/>
+        <c:axId val="640775504"/>
         <c:scaling>
           <c:orientation val="minMax"/>
         </c:scaling>
@@ -665,7 +665,7 @@
             <a:endParaRPr lang="de-DE"/>
           </a:p>
         </c:txPr>
-        <c:crossAx val="-1861256096"/>
+        <c:crossAx val="640768976"/>
         <c:crosses val="autoZero"/>
         <c:crossBetween val="between"/>
       </c:valAx>
@@ -890,11 +890,11 @@
           <c:showBubbleSize val="0"/>
         </c:dLbls>
         <c:smooth val="0"/>
-        <c:axId val="-1399489792"/>
-        <c:axId val="-1399490880"/>
+        <c:axId val="640767344"/>
+        <c:axId val="640777680"/>
       </c:lineChart>
       <c:catAx>
-        <c:axId val="-1399489792"/>
+        <c:axId val="640767344"/>
         <c:scaling>
           <c:orientation val="minMax"/>
         </c:scaling>
@@ -1000,7 +1000,7 @@
             <a:endParaRPr lang="de-DE"/>
           </a:p>
         </c:txPr>
-        <c:crossAx val="-1399490880"/>
+        <c:crossAx val="640777680"/>
         <c:crosses val="autoZero"/>
         <c:auto val="1"/>
         <c:lblAlgn val="ctr"/>
@@ -1008,7 +1008,7 @@
         <c:noMultiLvlLbl val="0"/>
       </c:catAx>
       <c:valAx>
-        <c:axId val="-1399490880"/>
+        <c:axId val="640777680"/>
         <c:scaling>
           <c:orientation val="minMax"/>
         </c:scaling>
@@ -1115,7 +1115,7 @@
             <a:endParaRPr lang="de-DE"/>
           </a:p>
         </c:txPr>
-        <c:crossAx val="-1399489792"/>
+        <c:crossAx val="640767344"/>
         <c:crosses val="autoZero"/>
         <c:crossBetween val="between"/>
       </c:valAx>
@@ -13621,7 +13621,7 @@
           <p:cNvPr id="3" name="Textfeld 2">
             <a:extLst>
               <a:ext uri="{FF2B5EF4-FFF2-40B4-BE49-F238E27FC236}">
-                <a16:creationId xmlns:a16="http://schemas.microsoft.com/office/drawing/2014/main" xmlns="" id="{55A35DED-7D1A-4C8F-934D-D5CD3FC3279C}"/>
+                <a16:creationId xmlns="" xmlns:a16="http://schemas.microsoft.com/office/drawing/2014/main" id="{55A35DED-7D1A-4C8F-934D-D5CD3FC3279C}"/>
               </a:ext>
             </a:extLst>
           </p:cNvPr>
@@ -16710,7 +16710,7 @@
         </p:blipFill>
         <p:spPr>
           <a:xfrm>
-            <a:off x="5724128" y="1268760"/>
+            <a:off x="5828006" y="2852936"/>
             <a:ext cx="2802141" cy="1419641"/>
           </a:xfrm>
           <a:prstGeom prst="rect">
@@ -16740,7 +16740,7 @@
         </p:blipFill>
         <p:spPr>
           <a:xfrm>
-            <a:off x="5199464" y="2939796"/>
+            <a:off x="5565675" y="4365104"/>
             <a:ext cx="3326805" cy="1978668"/>
           </a:xfrm>
           <a:prstGeom prst="rect">
@@ -16750,28 +16750,22 @@
       </p:pic>
       <p:pic>
         <p:nvPicPr>
-          <p:cNvPr id="10" name="Grafik 9"/>
+          <p:cNvPr id="4" name="Grafik 3"/>
           <p:cNvPicPr>
             <a:picLocks noChangeAspect="1"/>
           </p:cNvPicPr>
           <p:nvPr/>
         </p:nvPicPr>
         <p:blipFill>
-          <a:blip r:embed="rId8">
-            <a:extLst>
-              <a:ext uri="{28A0092B-C50C-407E-A947-70E740481C1C}">
-                <a14:useLocalDpi xmlns:a14="http://schemas.microsoft.com/office/drawing/2010/main" val="0"/>
-              </a:ext>
-            </a:extLst>
-          </a:blip>
+          <a:blip r:embed="rId8"/>
           <a:stretch>
             <a:fillRect/>
           </a:stretch>
         </p:blipFill>
         <p:spPr>
           <a:xfrm>
-            <a:off x="7372027" y="5178018"/>
-            <a:ext cx="1524213" cy="1247949"/>
+            <a:off x="6156176" y="830512"/>
+            <a:ext cx="1939370" cy="1905448"/>
           </a:xfrm>
           <a:prstGeom prst="rect">
             <a:avLst/>
@@ -19492,17 +19486,77 @@
                     <a:p>
                       <a:pPr algn="l" fontAlgn="ctr"/>
                       <a:r>
-                        <a:rPr lang="de-DE" sz="1100" b="0" i="0" u="none" strike="noStrike">
+                        <a:rPr lang="de-DE" sz="1100" b="0" i="0" u="none" strike="noStrike" dirty="0">
                           <a:solidFill>
                             <a:srgbClr val="000000"/>
                           </a:solidFill>
                           <a:effectLst/>
                           <a:latin typeface="Calibri" panose="020F0502020204030204" pitchFamily="34" charset="0"/>
                         </a:rPr>
-                        <a:t>SELECT sum(mitarbeiteranzahl) AS MA_Bundesland</a:t>
+                        <a:t>SELECT </a:t>
+                      </a:r>
+                      <a:r>
+                        <a:rPr lang="de-DE" sz="1100" b="0" i="0" u="none" strike="noStrike" dirty="0" err="1">
+                          <a:solidFill>
+                            <a:srgbClr val="000000"/>
+                          </a:solidFill>
+                          <a:effectLst/>
+                          <a:latin typeface="Calibri" panose="020F0502020204030204" pitchFamily="34" charset="0"/>
+                        </a:rPr>
+                        <a:t>sum</a:t>
+                      </a:r>
+                      <a:r>
+                        <a:rPr lang="de-DE" sz="1100" b="0" i="0" u="none" strike="noStrike" dirty="0">
+                          <a:solidFill>
+                            <a:srgbClr val="000000"/>
+                          </a:solidFill>
+                          <a:effectLst/>
+                          <a:latin typeface="Calibri" panose="020F0502020204030204" pitchFamily="34" charset="0"/>
+                        </a:rPr>
+                        <a:t>(</a:t>
+                      </a:r>
+                      <a:r>
+                        <a:rPr lang="de-DE" sz="1100" b="0" i="0" u="none" strike="noStrike" dirty="0" err="1">
+                          <a:solidFill>
+                            <a:srgbClr val="000000"/>
+                          </a:solidFill>
+                          <a:effectLst/>
+                          <a:latin typeface="Calibri" panose="020F0502020204030204" pitchFamily="34" charset="0"/>
+                        </a:rPr>
+                        <a:t>mitarbeiteranzahl</a:t>
+                      </a:r>
+                      <a:r>
+                        <a:rPr lang="de-DE" sz="1100" b="0" i="0" u="none" strike="noStrike" dirty="0">
+                          <a:solidFill>
+                            <a:srgbClr val="000000"/>
+                          </a:solidFill>
+                          <a:effectLst/>
+                          <a:latin typeface="Calibri" panose="020F0502020204030204" pitchFamily="34" charset="0"/>
+                        </a:rPr>
+                        <a:t>) AS </a:t>
+                      </a:r>
+                      <a:r>
+                        <a:rPr lang="de-DE" sz="1100" b="0" i="0" u="none" strike="noStrike" dirty="0" err="1">
+                          <a:solidFill>
+                            <a:srgbClr val="000000"/>
+                          </a:solidFill>
+                          <a:effectLst/>
+                          <a:latin typeface="Calibri" panose="020F0502020204030204" pitchFamily="34" charset="0"/>
+                        </a:rPr>
+                        <a:t>MA_Bundesland</a:t>
+                      </a:r>
+                      <a:r>
+                        <a:rPr lang="de-DE" sz="1100" b="0" i="0" u="none" strike="noStrike" dirty="0">
+                          <a:solidFill>
+                            <a:srgbClr val="000000"/>
+                          </a:solidFill>
+                          <a:effectLst/>
+                          <a:latin typeface="Calibri" panose="020F0502020204030204" pitchFamily="34" charset="0"/>
+                        </a:rPr>
+                        <a:t/>
                       </a:r>
                       <a:br>
-                        <a:rPr lang="de-DE" sz="1100" b="0" i="0" u="none" strike="noStrike">
+                        <a:rPr lang="de-DE" sz="1100" b="0" i="0" u="none" strike="noStrike" dirty="0">
                           <a:solidFill>
                             <a:srgbClr val="000000"/>
                           </a:solidFill>
@@ -19511,17 +19565,37 @@
                         </a:rPr>
                       </a:br>
                       <a:r>
-                        <a:rPr lang="de-DE" sz="1100" b="0" i="0" u="none" strike="noStrike">
+                        <a:rPr lang="de-DE" sz="1100" b="0" i="0" u="none" strike="noStrike" dirty="0">
                           <a:solidFill>
                             <a:srgbClr val="000000"/>
                           </a:solidFill>
                           <a:effectLst/>
                           <a:latin typeface="Calibri" panose="020F0502020204030204" pitchFamily="34" charset="0"/>
                         </a:rPr>
-                        <a:t> FROM beispieldaten.standorte</a:t>
+                        <a:t> FROM </a:t>
+                      </a:r>
+                      <a:r>
+                        <a:rPr lang="de-DE" sz="1100" b="0" i="0" u="none" strike="noStrike" dirty="0" err="1">
+                          <a:solidFill>
+                            <a:srgbClr val="000000"/>
+                          </a:solidFill>
+                          <a:effectLst/>
+                          <a:latin typeface="Calibri" panose="020F0502020204030204" pitchFamily="34" charset="0"/>
+                        </a:rPr>
+                        <a:t>beispieldaten.standorte</a:t>
+                      </a:r>
+                      <a:r>
+                        <a:rPr lang="de-DE" sz="1100" b="0" i="0" u="none" strike="noStrike" dirty="0">
+                          <a:solidFill>
+                            <a:srgbClr val="000000"/>
+                          </a:solidFill>
+                          <a:effectLst/>
+                          <a:latin typeface="Calibri" panose="020F0502020204030204" pitchFamily="34" charset="0"/>
+                        </a:rPr>
+                        <a:t/>
                       </a:r>
                       <a:br>
-                        <a:rPr lang="de-DE" sz="1100" b="0" i="0" u="none" strike="noStrike">
+                        <a:rPr lang="de-DE" sz="1100" b="0" i="0" u="none" strike="noStrike" dirty="0">
                           <a:solidFill>
                             <a:srgbClr val="000000"/>
                           </a:solidFill>
@@ -19530,14 +19604,34 @@
                         </a:rPr>
                       </a:br>
                       <a:r>
-                        <a:rPr lang="de-DE" sz="1100" b="0" i="0" u="none" strike="noStrike">
+                        <a:rPr lang="de-DE" sz="1100" b="0" i="0" u="none" strike="noStrike" dirty="0">
                           <a:solidFill>
                             <a:srgbClr val="000000"/>
                           </a:solidFill>
                           <a:effectLst/>
                           <a:latin typeface="Calibri" panose="020F0502020204030204" pitchFamily="34" charset="0"/>
                         </a:rPr>
-                        <a:t>WHERE bundesland ='Berlin';</a:t>
+                        <a:t>WHERE </a:t>
+                      </a:r>
+                      <a:r>
+                        <a:rPr lang="de-DE" sz="1100" b="0" i="0" u="none" strike="noStrike" dirty="0" err="1">
+                          <a:solidFill>
+                            <a:srgbClr val="000000"/>
+                          </a:solidFill>
+                          <a:effectLst/>
+                          <a:latin typeface="Calibri" panose="020F0502020204030204" pitchFamily="34" charset="0"/>
+                        </a:rPr>
+                        <a:t>bundesland</a:t>
+                      </a:r>
+                      <a:r>
+                        <a:rPr lang="de-DE" sz="1100" b="0" i="0" u="none" strike="noStrike" dirty="0">
+                          <a:solidFill>
+                            <a:srgbClr val="000000"/>
+                          </a:solidFill>
+                          <a:effectLst/>
+                          <a:latin typeface="Calibri" panose="020F0502020204030204" pitchFamily="34" charset="0"/>
+                        </a:rPr>
+                        <a:t> ='Berlin';</a:t>
                       </a:r>
                     </a:p>
                   </a:txBody>
@@ -24992,21 +25086,21 @@
                 <a:gridCol w="2398426">
                   <a:extLst>
                     <a:ext uri="{9D8B030D-6E8A-4147-A177-3AD203B41FA5}">
-                      <a16:colId xmlns:a16="http://schemas.microsoft.com/office/drawing/2014/main" xmlns="" val="20000"/>
+                      <a16:colId xmlns="" xmlns:a16="http://schemas.microsoft.com/office/drawing/2014/main" val="20000"/>
                     </a:ext>
                   </a:extLst>
                 </a:gridCol>
                 <a:gridCol w="3147935">
                   <a:extLst>
                     <a:ext uri="{9D8B030D-6E8A-4147-A177-3AD203B41FA5}">
-                      <a16:colId xmlns:a16="http://schemas.microsoft.com/office/drawing/2014/main" xmlns="" val="20001"/>
+                      <a16:colId xmlns="" xmlns:a16="http://schemas.microsoft.com/office/drawing/2014/main" val="20001"/>
                     </a:ext>
                   </a:extLst>
                 </a:gridCol>
                 <a:gridCol w="3597639">
                   <a:extLst>
                     <a:ext uri="{9D8B030D-6E8A-4147-A177-3AD203B41FA5}">
-                      <a16:colId xmlns:a16="http://schemas.microsoft.com/office/drawing/2014/main" xmlns="" val="20002"/>
+                      <a16:colId xmlns="" xmlns:a16="http://schemas.microsoft.com/office/drawing/2014/main" val="20002"/>
                     </a:ext>
                   </a:extLst>
                 </a:gridCol>
@@ -25053,7 +25147,7 @@
                 </a:tc>
                 <a:extLst>
                   <a:ext uri="{0D108BD9-81ED-4DB2-BD59-A6C34878D82A}">
-                    <a16:rowId xmlns:a16="http://schemas.microsoft.com/office/drawing/2014/main" xmlns="" val="10000"/>
+                    <a16:rowId xmlns="" xmlns:a16="http://schemas.microsoft.com/office/drawing/2014/main" val="10000"/>
                   </a:ext>
                 </a:extLst>
               </a:tr>
@@ -25103,19 +25197,7 @@
                           <a:ea typeface="+mn-ea"/>
                           <a:cs typeface="+mn-cs"/>
                         </a:rPr>
-                        <a:t>Gute </a:t>
-                      </a:r>
-                      <a:r>
-                        <a:rPr lang="de-DE" sz="1400" kern="1200" dirty="0" smtClean="0">
-                          <a:solidFill>
-                            <a:schemeClr val="dk1"/>
-                          </a:solidFill>
-                          <a:effectLst/>
-                          <a:latin typeface="+mn-lt"/>
-                          <a:ea typeface="+mn-ea"/>
-                          <a:cs typeface="+mn-cs"/>
-                        </a:rPr>
-                        <a:t>Komprimierungsverfahren ermöglichen Anwendung auch bei sehr großen Datenbanken </a:t>
+                        <a:t>Gute Komprimierungsverfahren ermöglichen Anwendung auch bei sehr großen Datenbanken </a:t>
                       </a:r>
                     </a:p>
                     <a:p>
@@ -25271,7 +25353,7 @@
                 </a:tc>
                 <a:extLst>
                   <a:ext uri="{0D108BD9-81ED-4DB2-BD59-A6C34878D82A}">
-                    <a16:rowId xmlns:a16="http://schemas.microsoft.com/office/drawing/2014/main" xmlns="" val="10001"/>
+                    <a16:rowId xmlns="" xmlns:a16="http://schemas.microsoft.com/office/drawing/2014/main" val="10001"/>
                   </a:ext>
                 </a:extLst>
               </a:tr>
@@ -25512,7 +25594,7 @@
                 </a:tc>
                 <a:extLst>
                   <a:ext uri="{0D108BD9-81ED-4DB2-BD59-A6C34878D82A}">
-                    <a16:rowId xmlns:a16="http://schemas.microsoft.com/office/drawing/2014/main" xmlns="" val="10002"/>
+                    <a16:rowId xmlns="" xmlns:a16="http://schemas.microsoft.com/office/drawing/2014/main" val="10002"/>
                   </a:ext>
                 </a:extLst>
               </a:tr>
@@ -25629,21 +25711,21 @@
                 <a:gridCol w="2398426">
                   <a:extLst>
                     <a:ext uri="{9D8B030D-6E8A-4147-A177-3AD203B41FA5}">
-                      <a16:colId xmlns:a16="http://schemas.microsoft.com/office/drawing/2014/main" xmlns="" val="20000"/>
+                      <a16:colId xmlns="" xmlns:a16="http://schemas.microsoft.com/office/drawing/2014/main" val="20000"/>
                     </a:ext>
                   </a:extLst>
                 </a:gridCol>
                 <a:gridCol w="3147935">
                   <a:extLst>
                     <a:ext uri="{9D8B030D-6E8A-4147-A177-3AD203B41FA5}">
-                      <a16:colId xmlns:a16="http://schemas.microsoft.com/office/drawing/2014/main" xmlns="" val="20001"/>
+                      <a16:colId xmlns="" xmlns:a16="http://schemas.microsoft.com/office/drawing/2014/main" val="20001"/>
                     </a:ext>
                   </a:extLst>
                 </a:gridCol>
                 <a:gridCol w="3597639">
                   <a:extLst>
                     <a:ext uri="{9D8B030D-6E8A-4147-A177-3AD203B41FA5}">
-                      <a16:colId xmlns:a16="http://schemas.microsoft.com/office/drawing/2014/main" xmlns="" val="20002"/>
+                      <a16:colId xmlns="" xmlns:a16="http://schemas.microsoft.com/office/drawing/2014/main" val="20002"/>
                     </a:ext>
                   </a:extLst>
                 </a:gridCol>
@@ -25690,7 +25772,7 @@
                 </a:tc>
                 <a:extLst>
                   <a:ext uri="{0D108BD9-81ED-4DB2-BD59-A6C34878D82A}">
-                    <a16:rowId xmlns:a16="http://schemas.microsoft.com/office/drawing/2014/main" xmlns="" val="10000"/>
+                    <a16:rowId xmlns="" xmlns:a16="http://schemas.microsoft.com/office/drawing/2014/main" val="10000"/>
                   </a:ext>
                 </a:extLst>
               </a:tr>
@@ -25830,7 +25912,7 @@
                 </a:tc>
                 <a:extLst>
                   <a:ext uri="{0D108BD9-81ED-4DB2-BD59-A6C34878D82A}">
-                    <a16:rowId xmlns:a16="http://schemas.microsoft.com/office/drawing/2014/main" xmlns="" val="10003"/>
+                    <a16:rowId xmlns="" xmlns:a16="http://schemas.microsoft.com/office/drawing/2014/main" val="10003"/>
                   </a:ext>
                 </a:extLst>
               </a:tr>
@@ -25988,7 +26070,7 @@
                 </a:tc>
                 <a:extLst>
                   <a:ext uri="{0D108BD9-81ED-4DB2-BD59-A6C34878D82A}">
-                    <a16:rowId xmlns:a16="http://schemas.microsoft.com/office/drawing/2014/main" xmlns="" val="10004"/>
+                    <a16:rowId xmlns="" xmlns:a16="http://schemas.microsoft.com/office/drawing/2014/main" val="10004"/>
                   </a:ext>
                 </a:extLst>
               </a:tr>
@@ -26337,7 +26419,7 @@
           <p:cNvPr id="4" name="Textfeld 3">
             <a:extLst>
               <a:ext uri="{FF2B5EF4-FFF2-40B4-BE49-F238E27FC236}">
-                <a16:creationId xmlns="" xmlns:a16="http://schemas.microsoft.com/office/drawing/2014/main" id="{55A35DED-7D1A-4C8F-934D-D5CD3FC3279C}"/>
+                <a16:creationId xmlns:a16="http://schemas.microsoft.com/office/drawing/2014/main" xmlns="" id="{55A35DED-7D1A-4C8F-934D-D5CD3FC3279C}"/>
               </a:ext>
             </a:extLst>
           </p:cNvPr>
@@ -26498,7 +26580,7 @@
           <p:cNvPr id="2" name="Textfeld 1">
             <a:extLst>
               <a:ext uri="{FF2B5EF4-FFF2-40B4-BE49-F238E27FC236}">
-                <a16:creationId xmlns="" xmlns:a16="http://schemas.microsoft.com/office/drawing/2014/main" id="{EE675E94-0876-4BA0-B88E-E9918706E963}"/>
+                <a16:creationId xmlns:a16="http://schemas.microsoft.com/office/drawing/2014/main" xmlns="" id="{EE675E94-0876-4BA0-B88E-E9918706E963}"/>
               </a:ext>
             </a:extLst>
           </p:cNvPr>
@@ -26557,7 +26639,7 @@
           <p:cNvPr id="5" name="Rechteck 4">
             <a:extLst>
               <a:ext uri="{FF2B5EF4-FFF2-40B4-BE49-F238E27FC236}">
-                <a16:creationId xmlns="" xmlns:a16="http://schemas.microsoft.com/office/drawing/2014/main" id="{F072B02F-E3D9-4007-A22A-DC4B939F3467}"/>
+                <a16:creationId xmlns:a16="http://schemas.microsoft.com/office/drawing/2014/main" xmlns="" id="{F072B02F-E3D9-4007-A22A-DC4B939F3467}"/>
               </a:ext>
             </a:extLst>
           </p:cNvPr>
@@ -26670,7 +26752,7 @@
           <p:cNvPr id="7" name="Rechteck 6">
             <a:extLst>
               <a:ext uri="{FF2B5EF4-FFF2-40B4-BE49-F238E27FC236}">
-                <a16:creationId xmlns="" xmlns:a16="http://schemas.microsoft.com/office/drawing/2014/main" id="{1E945762-E3FA-427D-B868-C19D70CE423B}"/>
+                <a16:creationId xmlns:a16="http://schemas.microsoft.com/office/drawing/2014/main" xmlns="" id="{1E945762-E3FA-427D-B868-C19D70CE423B}"/>
               </a:ext>
             </a:extLst>
           </p:cNvPr>
@@ -27570,7 +27652,7 @@
           <p:cNvPr id="6" name="Textfeld 5">
             <a:extLst>
               <a:ext uri="{FF2B5EF4-FFF2-40B4-BE49-F238E27FC236}">
-                <a16:creationId xmlns="" xmlns:a16="http://schemas.microsoft.com/office/drawing/2014/main" id="{44B7FBE0-C7B3-436D-8940-0475C8A5C506}"/>
+                <a16:creationId xmlns:a16="http://schemas.microsoft.com/office/drawing/2014/main" xmlns="" id="{44B7FBE0-C7B3-436D-8940-0475C8A5C506}"/>
               </a:ext>
             </a:extLst>
           </p:cNvPr>
@@ -27700,7 +27782,7 @@
           <p:cNvPr id="4" name="Textfeld 3">
             <a:extLst>
               <a:ext uri="{FF2B5EF4-FFF2-40B4-BE49-F238E27FC236}">
-                <a16:creationId xmlns:a16="http://schemas.microsoft.com/office/drawing/2014/main" xmlns="" id="{55A35DED-7D1A-4C8F-934D-D5CD3FC3279C}"/>
+                <a16:creationId xmlns="" xmlns:a16="http://schemas.microsoft.com/office/drawing/2014/main" id="{55A35DED-7D1A-4C8F-934D-D5CD3FC3279C}"/>
               </a:ext>
             </a:extLst>
           </p:cNvPr>
@@ -27855,7 +27937,7 @@
           <p:cNvPr id="6" name="Textfeld 5">
             <a:extLst>
               <a:ext uri="{FF2B5EF4-FFF2-40B4-BE49-F238E27FC236}">
-                <a16:creationId xmlns:a16="http://schemas.microsoft.com/office/drawing/2014/main" xmlns="" id="{55A35DED-7D1A-4C8F-934D-D5CD3FC3279C}"/>
+                <a16:creationId xmlns="" xmlns:a16="http://schemas.microsoft.com/office/drawing/2014/main" id="{55A35DED-7D1A-4C8F-934D-D5CD3FC3279C}"/>
               </a:ext>
             </a:extLst>
           </p:cNvPr>
@@ -28024,7 +28106,7 @@
           <p:cNvPr id="4" name="Textfeld 3">
             <a:extLst>
               <a:ext uri="{FF2B5EF4-FFF2-40B4-BE49-F238E27FC236}">
-                <a16:creationId xmlns:a16="http://schemas.microsoft.com/office/drawing/2014/main" xmlns="" id="{55A35DED-7D1A-4C8F-934D-D5CD3FC3279C}"/>
+                <a16:creationId xmlns="" xmlns:a16="http://schemas.microsoft.com/office/drawing/2014/main" id="{55A35DED-7D1A-4C8F-934D-D5CD3FC3279C}"/>
               </a:ext>
             </a:extLst>
           </p:cNvPr>

--- a/FINAL.pptx
+++ b/FINAL.pptx
@@ -447,11 +447,11 @@
           <c:showBubbleSize val="0"/>
         </c:dLbls>
         <c:smooth val="0"/>
-        <c:axId val="640768976"/>
-        <c:axId val="640775504"/>
+        <c:axId val="2079013920"/>
+        <c:axId val="2079020992"/>
       </c:lineChart>
       <c:catAx>
-        <c:axId val="640768976"/>
+        <c:axId val="2079013920"/>
         <c:scaling>
           <c:orientation val="minMax"/>
         </c:scaling>
@@ -550,7 +550,7 @@
             <a:endParaRPr lang="de-DE"/>
           </a:p>
         </c:txPr>
-        <c:crossAx val="640775504"/>
+        <c:crossAx val="2079020992"/>
         <c:crosses val="autoZero"/>
         <c:auto val="1"/>
         <c:lblAlgn val="ctr"/>
@@ -558,7 +558,7 @@
         <c:noMultiLvlLbl val="0"/>
       </c:catAx>
       <c:valAx>
-        <c:axId val="640775504"/>
+        <c:axId val="2079020992"/>
         <c:scaling>
           <c:orientation val="minMax"/>
         </c:scaling>
@@ -665,7 +665,7 @@
             <a:endParaRPr lang="de-DE"/>
           </a:p>
         </c:txPr>
-        <c:crossAx val="640768976"/>
+        <c:crossAx val="2079013920"/>
         <c:crosses val="autoZero"/>
         <c:crossBetween val="between"/>
       </c:valAx>
@@ -890,11 +890,11 @@
           <c:showBubbleSize val="0"/>
         </c:dLbls>
         <c:smooth val="0"/>
-        <c:axId val="640767344"/>
-        <c:axId val="640777680"/>
+        <c:axId val="1881315616"/>
+        <c:axId val="2111454752"/>
       </c:lineChart>
       <c:catAx>
-        <c:axId val="640767344"/>
+        <c:axId val="1881315616"/>
         <c:scaling>
           <c:orientation val="minMax"/>
         </c:scaling>
@@ -1000,7 +1000,7 @@
             <a:endParaRPr lang="de-DE"/>
           </a:p>
         </c:txPr>
-        <c:crossAx val="640777680"/>
+        <c:crossAx val="2111454752"/>
         <c:crosses val="autoZero"/>
         <c:auto val="1"/>
         <c:lblAlgn val="ctr"/>
@@ -1008,7 +1008,7 @@
         <c:noMultiLvlLbl val="0"/>
       </c:catAx>
       <c:valAx>
-        <c:axId val="640777680"/>
+        <c:axId val="2111454752"/>
         <c:scaling>
           <c:orientation val="minMax"/>
         </c:scaling>
@@ -1115,7 +1115,7 @@
             <a:endParaRPr lang="de-DE"/>
           </a:p>
         </c:txPr>
-        <c:crossAx val="640767344"/>
+        <c:crossAx val="1881315616"/>
         <c:crosses val="autoZero"/>
         <c:crossBetween val="between"/>
       </c:valAx>
@@ -4557,235 +4557,6 @@
       <dsp:cNvGrpSpPr/>
     </dsp:nvGrpSpPr>
     <dsp:grpSpPr/>
-    <dsp:sp modelId="{7BD97A4F-7CD1-4DE9-AD30-0E4EBC1DE354}">
-      <dsp:nvSpPr>
-        <dsp:cNvPr id="0" name=""/>
-        <dsp:cNvSpPr/>
-      </dsp:nvSpPr>
-      <dsp:spPr>
-        <a:xfrm>
-          <a:off x="0" y="139089"/>
-          <a:ext cx="4632176" cy="936000"/>
-        </a:xfrm>
-        <a:prstGeom prst="rightArrow">
-          <a:avLst/>
-        </a:prstGeom>
-        <a:solidFill>
-          <a:schemeClr val="accent1">
-            <a:hueOff val="0"/>
-            <a:satOff val="0"/>
-            <a:lumOff val="0"/>
-            <a:alphaOff val="0"/>
-          </a:schemeClr>
-        </a:solidFill>
-        <a:ln w="25400" cap="flat" cmpd="sng" algn="ctr">
-          <a:solidFill>
-            <a:schemeClr val="lt1">
-              <a:hueOff val="0"/>
-              <a:satOff val="0"/>
-              <a:lumOff val="0"/>
-              <a:alphaOff val="0"/>
-            </a:schemeClr>
-          </a:solidFill>
-          <a:prstDash val="solid"/>
-        </a:ln>
-        <a:effectLst/>
-      </dsp:spPr>
-      <dsp:style>
-        <a:lnRef idx="2">
-          <a:scrgbClr r="0" g="0" b="0"/>
-        </a:lnRef>
-        <a:fillRef idx="1">
-          <a:scrgbClr r="0" g="0" b="0"/>
-        </a:fillRef>
-        <a:effectRef idx="0">
-          <a:scrgbClr r="0" g="0" b="0"/>
-        </a:effectRef>
-        <a:fontRef idx="minor">
-          <a:schemeClr val="lt1"/>
-        </a:fontRef>
-      </dsp:style>
-    </dsp:sp>
-    <dsp:sp modelId="{08D0F303-4ECD-4398-98CD-1CFF8D6A2603}">
-      <dsp:nvSpPr>
-        <dsp:cNvPr id="0" name=""/>
-        <dsp:cNvSpPr/>
-      </dsp:nvSpPr>
-      <dsp:spPr>
-        <a:xfrm>
-          <a:off x="3860834" y="325493"/>
-          <a:ext cx="469324" cy="468000"/>
-        </a:xfrm>
-        <a:prstGeom prst="rect">
-          <a:avLst/>
-        </a:prstGeom>
-        <a:noFill/>
-        <a:ln>
-          <a:noFill/>
-        </a:ln>
-        <a:effectLst/>
-      </dsp:spPr>
-      <dsp:style>
-        <a:lnRef idx="0">
-          <a:scrgbClr r="0" g="0" b="0"/>
-        </a:lnRef>
-        <a:fillRef idx="0">
-          <a:scrgbClr r="0" g="0" b="0"/>
-        </a:fillRef>
-        <a:effectRef idx="0">
-          <a:scrgbClr r="0" g="0" b="0"/>
-        </a:effectRef>
-        <a:fontRef idx="minor"/>
-      </dsp:style>
-      <dsp:txBody>
-        <a:bodyPr spcFirstLastPara="0" vert="horz" wrap="square" lIns="0" tIns="132080" rIns="0" bIns="132080" numCol="1" spcCol="1270" anchor="ctr" anchorCtr="0">
-          <a:noAutofit/>
-        </a:bodyPr>
-        <a:lstStyle/>
-        <a:p>
-          <a:pPr lvl="0" algn="ctr" defTabSz="577850">
-            <a:lnSpc>
-              <a:spcPct val="90000"/>
-            </a:lnSpc>
-            <a:spcBef>
-              <a:spcPct val="0"/>
-            </a:spcBef>
-            <a:spcAft>
-              <a:spcPct val="35000"/>
-            </a:spcAft>
-          </a:pPr>
-          <a:r>
-            <a:rPr lang="de-DE" sz="1300" kern="1200" dirty="0" smtClean="0"/>
-            <a:t> </a:t>
-          </a:r>
-          <a:endParaRPr lang="de-DE" sz="1300" kern="1200" dirty="0"/>
-        </a:p>
-      </dsp:txBody>
-      <dsp:txXfrm>
-        <a:off x="3860834" y="325493"/>
-        <a:ext cx="469324" cy="468000"/>
-      </dsp:txXfrm>
-    </dsp:sp>
-    <dsp:sp modelId="{BFBD2FA7-76BA-49E2-9606-34D44E80369C}">
-      <dsp:nvSpPr>
-        <dsp:cNvPr id="0" name=""/>
-        <dsp:cNvSpPr/>
-      </dsp:nvSpPr>
-      <dsp:spPr>
-        <a:xfrm>
-          <a:off x="938435" y="325493"/>
-          <a:ext cx="2828534" cy="557079"/>
-        </a:xfrm>
-        <a:prstGeom prst="rect">
-          <a:avLst/>
-        </a:prstGeom>
-        <a:noFill/>
-        <a:ln>
-          <a:noFill/>
-        </a:ln>
-        <a:effectLst/>
-      </dsp:spPr>
-      <dsp:style>
-        <a:lnRef idx="0">
-          <a:scrgbClr r="0" g="0" b="0"/>
-        </a:lnRef>
-        <a:fillRef idx="0">
-          <a:scrgbClr r="0" g="0" b="0"/>
-        </a:fillRef>
-        <a:effectRef idx="0">
-          <a:scrgbClr r="0" g="0" b="0"/>
-        </a:effectRef>
-        <a:fontRef idx="minor"/>
-      </dsp:style>
-      <dsp:txBody>
-        <a:bodyPr spcFirstLastPara="0" vert="horz" wrap="square" lIns="0" tIns="132080" rIns="0" bIns="132080" numCol="1" spcCol="1270" anchor="ctr" anchorCtr="0">
-          <a:noAutofit/>
-        </a:bodyPr>
-        <a:lstStyle/>
-        <a:p>
-          <a:pPr lvl="0" algn="ctr" defTabSz="577850">
-            <a:lnSpc>
-              <a:spcPct val="90000"/>
-            </a:lnSpc>
-            <a:spcBef>
-              <a:spcPct val="0"/>
-            </a:spcBef>
-            <a:spcAft>
-              <a:spcPct val="35000"/>
-            </a:spcAft>
-          </a:pPr>
-          <a:r>
-            <a:rPr lang="de-DE" sz="1300" kern="1200" dirty="0" smtClean="0"/>
-            <a:t>Performance-Gewinn bis 10% möglich</a:t>
-          </a:r>
-          <a:endParaRPr lang="de-DE" sz="1300" kern="1200" dirty="0"/>
-        </a:p>
-      </dsp:txBody>
-      <dsp:txXfrm>
-        <a:off x="938435" y="325493"/>
-        <a:ext cx="2828534" cy="557079"/>
-      </dsp:txXfrm>
-    </dsp:sp>
-    <dsp:sp modelId="{CAFB5F5E-9E1A-436A-94D3-7167FE988209}">
-      <dsp:nvSpPr>
-        <dsp:cNvPr id="0" name=""/>
-        <dsp:cNvSpPr/>
-      </dsp:nvSpPr>
-      <dsp:spPr>
-        <a:xfrm>
-          <a:off x="375246" y="325493"/>
-          <a:ext cx="469324" cy="468000"/>
-        </a:xfrm>
-        <a:prstGeom prst="rect">
-          <a:avLst/>
-        </a:prstGeom>
-        <a:noFill/>
-        <a:ln>
-          <a:noFill/>
-        </a:ln>
-        <a:effectLst/>
-      </dsp:spPr>
-      <dsp:style>
-        <a:lnRef idx="0">
-          <a:scrgbClr r="0" g="0" b="0"/>
-        </a:lnRef>
-        <a:fillRef idx="0">
-          <a:scrgbClr r="0" g="0" b="0"/>
-        </a:fillRef>
-        <a:effectRef idx="0">
-          <a:scrgbClr r="0" g="0" b="0"/>
-        </a:effectRef>
-        <a:fontRef idx="minor"/>
-      </dsp:style>
-      <dsp:txBody>
-        <a:bodyPr spcFirstLastPara="0" vert="horz" wrap="square" lIns="0" tIns="132080" rIns="0" bIns="132080" numCol="1" spcCol="1270" anchor="ctr" anchorCtr="0">
-          <a:noAutofit/>
-        </a:bodyPr>
-        <a:lstStyle/>
-        <a:p>
-          <a:pPr lvl="0" algn="ctr" defTabSz="577850">
-            <a:lnSpc>
-              <a:spcPct val="90000"/>
-            </a:lnSpc>
-            <a:spcBef>
-              <a:spcPct val="0"/>
-            </a:spcBef>
-            <a:spcAft>
-              <a:spcPct val="35000"/>
-            </a:spcAft>
-          </a:pPr>
-          <a:r>
-            <a:rPr lang="de-DE" sz="1300" kern="1200" dirty="0" smtClean="0"/>
-            <a:t> </a:t>
-          </a:r>
-          <a:endParaRPr lang="de-DE" sz="1300" kern="1200" dirty="0"/>
-        </a:p>
-      </dsp:txBody>
-      <dsp:txXfrm>
-        <a:off x="375246" y="325493"/>
-        <a:ext cx="469324" cy="468000"/>
-      </dsp:txXfrm>
-    </dsp:sp>
   </dsp:spTree>
 </dsp:drawing>
 </file>
@@ -4798,491 +4569,6 @@
       <dsp:cNvGrpSpPr/>
     </dsp:nvGrpSpPr>
     <dsp:grpSpPr/>
-    <dsp:sp modelId="{6D5BC600-9713-4DD2-8781-C62073791FAC}">
-      <dsp:nvSpPr>
-        <dsp:cNvPr id="0" name=""/>
-        <dsp:cNvSpPr/>
-      </dsp:nvSpPr>
-      <dsp:spPr>
-        <a:xfrm>
-          <a:off x="4428492" y="1434510"/>
-          <a:ext cx="3124266" cy="520504"/>
-        </a:xfrm>
-        <a:custGeom>
-          <a:avLst/>
-          <a:gdLst/>
-          <a:ahLst/>
-          <a:cxnLst/>
-          <a:rect l="0" t="0" r="0" b="0"/>
-          <a:pathLst>
-            <a:path>
-              <a:moveTo>
-                <a:pt x="0" y="0"/>
-              </a:moveTo>
-              <a:lnTo>
-                <a:pt x="0" y="260252"/>
-              </a:lnTo>
-              <a:lnTo>
-                <a:pt x="3124266" y="260252"/>
-              </a:lnTo>
-              <a:lnTo>
-                <a:pt x="3124266" y="520504"/>
-              </a:lnTo>
-            </a:path>
-          </a:pathLst>
-        </a:custGeom>
-        <a:noFill/>
-        <a:ln w="25400" cap="flat" cmpd="sng" algn="ctr">
-          <a:solidFill>
-            <a:schemeClr val="accent1">
-              <a:shade val="60000"/>
-              <a:hueOff val="0"/>
-              <a:satOff val="0"/>
-              <a:lumOff val="0"/>
-              <a:alphaOff val="0"/>
-            </a:schemeClr>
-          </a:solidFill>
-          <a:prstDash val="solid"/>
-        </a:ln>
-        <a:effectLst/>
-      </dsp:spPr>
-      <dsp:style>
-        <a:lnRef idx="2">
-          <a:scrgbClr r="0" g="0" b="0"/>
-        </a:lnRef>
-        <a:fillRef idx="0">
-          <a:scrgbClr r="0" g="0" b="0"/>
-        </a:fillRef>
-        <a:effectRef idx="0">
-          <a:scrgbClr r="0" g="0" b="0"/>
-        </a:effectRef>
-        <a:fontRef idx="minor"/>
-      </dsp:style>
-    </dsp:sp>
-    <dsp:sp modelId="{A0BCFAE1-8822-4539-93A5-5470B2DFA620}">
-      <dsp:nvSpPr>
-        <dsp:cNvPr id="0" name=""/>
-        <dsp:cNvSpPr/>
-      </dsp:nvSpPr>
-      <dsp:spPr>
-        <a:xfrm>
-          <a:off x="4382772" y="1434510"/>
-          <a:ext cx="91440" cy="520504"/>
-        </a:xfrm>
-        <a:custGeom>
-          <a:avLst/>
-          <a:gdLst/>
-          <a:ahLst/>
-          <a:cxnLst/>
-          <a:rect l="0" t="0" r="0" b="0"/>
-          <a:pathLst>
-            <a:path>
-              <a:moveTo>
-                <a:pt x="45720" y="0"/>
-              </a:moveTo>
-              <a:lnTo>
-                <a:pt x="45720" y="520504"/>
-              </a:lnTo>
-            </a:path>
-          </a:pathLst>
-        </a:custGeom>
-        <a:noFill/>
-        <a:ln w="25400" cap="flat" cmpd="sng" algn="ctr">
-          <a:solidFill>
-            <a:schemeClr val="accent1">
-              <a:shade val="60000"/>
-              <a:hueOff val="0"/>
-              <a:satOff val="0"/>
-              <a:lumOff val="0"/>
-              <a:alphaOff val="0"/>
-            </a:schemeClr>
-          </a:solidFill>
-          <a:prstDash val="solid"/>
-        </a:ln>
-        <a:effectLst/>
-      </dsp:spPr>
-      <dsp:style>
-        <a:lnRef idx="2">
-          <a:scrgbClr r="0" g="0" b="0"/>
-        </a:lnRef>
-        <a:fillRef idx="0">
-          <a:scrgbClr r="0" g="0" b="0"/>
-        </a:fillRef>
-        <a:effectRef idx="0">
-          <a:scrgbClr r="0" g="0" b="0"/>
-        </a:effectRef>
-        <a:fontRef idx="minor"/>
-      </dsp:style>
-    </dsp:sp>
-    <dsp:sp modelId="{3F94FDAA-0F75-4010-8F21-8A7E01B0779A}">
-      <dsp:nvSpPr>
-        <dsp:cNvPr id="0" name=""/>
-        <dsp:cNvSpPr/>
-      </dsp:nvSpPr>
-      <dsp:spPr>
-        <a:xfrm>
-          <a:off x="1304225" y="1434510"/>
-          <a:ext cx="3124266" cy="520504"/>
-        </a:xfrm>
-        <a:custGeom>
-          <a:avLst/>
-          <a:gdLst/>
-          <a:ahLst/>
-          <a:cxnLst/>
-          <a:rect l="0" t="0" r="0" b="0"/>
-          <a:pathLst>
-            <a:path>
-              <a:moveTo>
-                <a:pt x="3124266" y="0"/>
-              </a:moveTo>
-              <a:lnTo>
-                <a:pt x="3124266" y="260252"/>
-              </a:lnTo>
-              <a:lnTo>
-                <a:pt x="0" y="260252"/>
-              </a:lnTo>
-              <a:lnTo>
-                <a:pt x="0" y="520504"/>
-              </a:lnTo>
-            </a:path>
-          </a:pathLst>
-        </a:custGeom>
-        <a:noFill/>
-        <a:ln w="25400" cap="flat" cmpd="sng" algn="ctr">
-          <a:solidFill>
-            <a:schemeClr val="accent1">
-              <a:shade val="60000"/>
-              <a:hueOff val="0"/>
-              <a:satOff val="0"/>
-              <a:lumOff val="0"/>
-              <a:alphaOff val="0"/>
-            </a:schemeClr>
-          </a:solidFill>
-          <a:prstDash val="solid"/>
-        </a:ln>
-        <a:effectLst/>
-      </dsp:spPr>
-      <dsp:style>
-        <a:lnRef idx="2">
-          <a:scrgbClr r="0" g="0" b="0"/>
-        </a:lnRef>
-        <a:fillRef idx="0">
-          <a:scrgbClr r="0" g="0" b="0"/>
-        </a:fillRef>
-        <a:effectRef idx="0">
-          <a:scrgbClr r="0" g="0" b="0"/>
-        </a:effectRef>
-        <a:fontRef idx="minor"/>
-      </dsp:style>
-    </dsp:sp>
-    <dsp:sp modelId="{AD4F7CBA-E243-4549-A341-273C65E98AC7}">
-      <dsp:nvSpPr>
-        <dsp:cNvPr id="0" name=""/>
-        <dsp:cNvSpPr/>
-      </dsp:nvSpPr>
-      <dsp:spPr>
-        <a:xfrm>
-          <a:off x="3126610" y="881288"/>
-          <a:ext cx="2603762" cy="553222"/>
-        </a:xfrm>
-        <a:prstGeom prst="rect">
-          <a:avLst/>
-        </a:prstGeom>
-        <a:solidFill>
-          <a:schemeClr val="accent1">
-            <a:hueOff val="0"/>
-            <a:satOff val="0"/>
-            <a:lumOff val="0"/>
-            <a:alphaOff val="0"/>
-          </a:schemeClr>
-        </a:solidFill>
-        <a:ln w="25400" cap="flat" cmpd="sng" algn="ctr">
-          <a:solidFill>
-            <a:schemeClr val="lt1">
-              <a:hueOff val="0"/>
-              <a:satOff val="0"/>
-              <a:lumOff val="0"/>
-              <a:alphaOff val="0"/>
-            </a:schemeClr>
-          </a:solidFill>
-          <a:prstDash val="solid"/>
-        </a:ln>
-        <a:effectLst/>
-      </dsp:spPr>
-      <dsp:style>
-        <a:lnRef idx="2">
-          <a:scrgbClr r="0" g="0" b="0"/>
-        </a:lnRef>
-        <a:fillRef idx="1">
-          <a:scrgbClr r="0" g="0" b="0"/>
-        </a:fillRef>
-        <a:effectRef idx="0">
-          <a:scrgbClr r="0" g="0" b="0"/>
-        </a:effectRef>
-        <a:fontRef idx="minor">
-          <a:schemeClr val="lt1"/>
-        </a:fontRef>
-      </dsp:style>
-      <dsp:txBody>
-        <a:bodyPr spcFirstLastPara="0" vert="horz" wrap="square" lIns="10795" tIns="10795" rIns="10795" bIns="10795" numCol="1" spcCol="1270" anchor="ctr" anchorCtr="0">
-          <a:noAutofit/>
-        </a:bodyPr>
-        <a:lstStyle/>
-        <a:p>
-          <a:pPr lvl="0" algn="ctr" defTabSz="755650">
-            <a:lnSpc>
-              <a:spcPct val="90000"/>
-            </a:lnSpc>
-            <a:spcBef>
-              <a:spcPct val="0"/>
-            </a:spcBef>
-            <a:spcAft>
-              <a:spcPct val="35000"/>
-            </a:spcAft>
-          </a:pPr>
-          <a:r>
-            <a:rPr lang="de-DE" sz="1700" kern="1200" dirty="0" smtClean="0"/>
-            <a:t>Komprimierungsverfahren</a:t>
-          </a:r>
-          <a:endParaRPr lang="de-DE" sz="1700" kern="1200" dirty="0"/>
-        </a:p>
-      </dsp:txBody>
-      <dsp:txXfrm>
-        <a:off x="3126610" y="881288"/>
-        <a:ext cx="2603762" cy="553222"/>
-      </dsp:txXfrm>
-    </dsp:sp>
-    <dsp:sp modelId="{D9456436-E822-44B1-8D51-B2E0CB5DBD3A}">
-      <dsp:nvSpPr>
-        <dsp:cNvPr id="0" name=""/>
-        <dsp:cNvSpPr/>
-      </dsp:nvSpPr>
-      <dsp:spPr>
-        <a:xfrm>
-          <a:off x="2344" y="1955015"/>
-          <a:ext cx="2603762" cy="553222"/>
-        </a:xfrm>
-        <a:prstGeom prst="rect">
-          <a:avLst/>
-        </a:prstGeom>
-        <a:solidFill>
-          <a:schemeClr val="accent1">
-            <a:hueOff val="0"/>
-            <a:satOff val="0"/>
-            <a:lumOff val="0"/>
-            <a:alphaOff val="0"/>
-          </a:schemeClr>
-        </a:solidFill>
-        <a:ln w="25400" cap="flat" cmpd="sng" algn="ctr">
-          <a:solidFill>
-            <a:schemeClr val="lt1">
-              <a:hueOff val="0"/>
-              <a:satOff val="0"/>
-              <a:lumOff val="0"/>
-              <a:alphaOff val="0"/>
-            </a:schemeClr>
-          </a:solidFill>
-          <a:prstDash val="solid"/>
-        </a:ln>
-        <a:effectLst/>
-      </dsp:spPr>
-      <dsp:style>
-        <a:lnRef idx="2">
-          <a:scrgbClr r="0" g="0" b="0"/>
-        </a:lnRef>
-        <a:fillRef idx="1">
-          <a:scrgbClr r="0" g="0" b="0"/>
-        </a:fillRef>
-        <a:effectRef idx="0">
-          <a:scrgbClr r="0" g="0" b="0"/>
-        </a:effectRef>
-        <a:fontRef idx="minor">
-          <a:schemeClr val="lt1"/>
-        </a:fontRef>
-      </dsp:style>
-      <dsp:txBody>
-        <a:bodyPr spcFirstLastPara="0" vert="horz" wrap="square" lIns="10795" tIns="10795" rIns="10795" bIns="10795" numCol="1" spcCol="1270" anchor="ctr" anchorCtr="0">
-          <a:noAutofit/>
-        </a:bodyPr>
-        <a:lstStyle/>
-        <a:p>
-          <a:pPr lvl="0" algn="ctr" defTabSz="755650">
-            <a:lnSpc>
-              <a:spcPct val="90000"/>
-            </a:lnSpc>
-            <a:spcBef>
-              <a:spcPct val="0"/>
-            </a:spcBef>
-            <a:spcAft>
-              <a:spcPct val="35000"/>
-            </a:spcAft>
-          </a:pPr>
-          <a:r>
-            <a:rPr lang="de-DE" sz="1700" kern="1200" dirty="0" smtClean="0"/>
-            <a:t>LZ4</a:t>
-          </a:r>
-          <a:endParaRPr lang="de-DE" sz="1700" kern="1200" dirty="0"/>
-        </a:p>
-      </dsp:txBody>
-      <dsp:txXfrm>
-        <a:off x="2344" y="1955015"/>
-        <a:ext cx="2603762" cy="553222"/>
-      </dsp:txXfrm>
-    </dsp:sp>
-    <dsp:sp modelId="{50C7FCC1-BE90-4BF0-892D-AC8FB740825F}">
-      <dsp:nvSpPr>
-        <dsp:cNvPr id="0" name=""/>
-        <dsp:cNvSpPr/>
-      </dsp:nvSpPr>
-      <dsp:spPr>
-        <a:xfrm>
-          <a:off x="3126610" y="1955015"/>
-          <a:ext cx="2603762" cy="553222"/>
-        </a:xfrm>
-        <a:prstGeom prst="rect">
-          <a:avLst/>
-        </a:prstGeom>
-        <a:solidFill>
-          <a:schemeClr val="accent1">
-            <a:hueOff val="0"/>
-            <a:satOff val="0"/>
-            <a:lumOff val="0"/>
-            <a:alphaOff val="0"/>
-          </a:schemeClr>
-        </a:solidFill>
-        <a:ln w="25400" cap="flat" cmpd="sng" algn="ctr">
-          <a:solidFill>
-            <a:schemeClr val="lt1">
-              <a:hueOff val="0"/>
-              <a:satOff val="0"/>
-              <a:lumOff val="0"/>
-              <a:alphaOff val="0"/>
-            </a:schemeClr>
-          </a:solidFill>
-          <a:prstDash val="solid"/>
-        </a:ln>
-        <a:effectLst/>
-      </dsp:spPr>
-      <dsp:style>
-        <a:lnRef idx="2">
-          <a:scrgbClr r="0" g="0" b="0"/>
-        </a:lnRef>
-        <a:fillRef idx="1">
-          <a:scrgbClr r="0" g="0" b="0"/>
-        </a:fillRef>
-        <a:effectRef idx="0">
-          <a:scrgbClr r="0" g="0" b="0"/>
-        </a:effectRef>
-        <a:fontRef idx="minor">
-          <a:schemeClr val="lt1"/>
-        </a:fontRef>
-      </dsp:style>
-      <dsp:txBody>
-        <a:bodyPr spcFirstLastPara="0" vert="horz" wrap="square" lIns="10795" tIns="10795" rIns="10795" bIns="10795" numCol="1" spcCol="1270" anchor="ctr" anchorCtr="0">
-          <a:noAutofit/>
-        </a:bodyPr>
-        <a:lstStyle/>
-        <a:p>
-          <a:pPr lvl="0" algn="ctr" defTabSz="755650">
-            <a:lnSpc>
-              <a:spcPct val="90000"/>
-            </a:lnSpc>
-            <a:spcBef>
-              <a:spcPct val="0"/>
-            </a:spcBef>
-            <a:spcAft>
-              <a:spcPct val="35000"/>
-            </a:spcAft>
-          </a:pPr>
-          <a:r>
-            <a:rPr lang="de-DE" sz="1700" kern="1200" dirty="0" err="1" smtClean="0"/>
-            <a:t>Snappy</a:t>
-          </a:r>
-          <a:endParaRPr lang="de-DE" sz="1700" kern="1200" dirty="0"/>
-        </a:p>
-      </dsp:txBody>
-      <dsp:txXfrm>
-        <a:off x="3126610" y="1955015"/>
-        <a:ext cx="2603762" cy="553222"/>
-      </dsp:txXfrm>
-    </dsp:sp>
-    <dsp:sp modelId="{870B6059-CB4D-40A3-8B74-E28545F75667}">
-      <dsp:nvSpPr>
-        <dsp:cNvPr id="0" name=""/>
-        <dsp:cNvSpPr/>
-      </dsp:nvSpPr>
-      <dsp:spPr>
-        <a:xfrm>
-          <a:off x="6250877" y="1955015"/>
-          <a:ext cx="2603762" cy="553222"/>
-        </a:xfrm>
-        <a:prstGeom prst="rect">
-          <a:avLst/>
-        </a:prstGeom>
-        <a:solidFill>
-          <a:schemeClr val="accent1">
-            <a:hueOff val="0"/>
-            <a:satOff val="0"/>
-            <a:lumOff val="0"/>
-            <a:alphaOff val="0"/>
-          </a:schemeClr>
-        </a:solidFill>
-        <a:ln w="25400" cap="flat" cmpd="sng" algn="ctr">
-          <a:solidFill>
-            <a:schemeClr val="lt1">
-              <a:hueOff val="0"/>
-              <a:satOff val="0"/>
-              <a:lumOff val="0"/>
-              <a:alphaOff val="0"/>
-            </a:schemeClr>
-          </a:solidFill>
-          <a:prstDash val="solid"/>
-        </a:ln>
-        <a:effectLst/>
-      </dsp:spPr>
-      <dsp:style>
-        <a:lnRef idx="2">
-          <a:scrgbClr r="0" g="0" b="0"/>
-        </a:lnRef>
-        <a:fillRef idx="1">
-          <a:scrgbClr r="0" g="0" b="0"/>
-        </a:fillRef>
-        <a:effectRef idx="0">
-          <a:scrgbClr r="0" g="0" b="0"/>
-        </a:effectRef>
-        <a:fontRef idx="minor">
-          <a:schemeClr val="lt1"/>
-        </a:fontRef>
-      </dsp:style>
-      <dsp:txBody>
-        <a:bodyPr spcFirstLastPara="0" vert="horz" wrap="square" lIns="10795" tIns="10795" rIns="10795" bIns="10795" numCol="1" spcCol="1270" anchor="ctr" anchorCtr="0">
-          <a:noAutofit/>
-        </a:bodyPr>
-        <a:lstStyle/>
-        <a:p>
-          <a:pPr lvl="0" algn="ctr" defTabSz="755650">
-            <a:lnSpc>
-              <a:spcPct val="90000"/>
-            </a:lnSpc>
-            <a:spcBef>
-              <a:spcPct val="0"/>
-            </a:spcBef>
-            <a:spcAft>
-              <a:spcPct val="35000"/>
-            </a:spcAft>
-          </a:pPr>
-          <a:r>
-            <a:rPr lang="de-DE" sz="1700" kern="1200" dirty="0" err="1" smtClean="0"/>
-            <a:t>Deflate</a:t>
-          </a:r>
-          <a:endParaRPr lang="de-DE" sz="1700" kern="1200" dirty="0"/>
-        </a:p>
-      </dsp:txBody>
-      <dsp:txXfrm>
-        <a:off x="6250877" y="1955015"/>
-        <a:ext cx="2603762" cy="553222"/>
-      </dsp:txXfrm>
-    </dsp:sp>
   </dsp:spTree>
 </dsp:drawing>
 </file>
@@ -14119,8 +13405,23 @@
                 </a:highlight>
                 <a:latin typeface="+mj-lt"/>
               </a:rPr>
-              <a:t>SAP HANA</a:t>
-            </a:r>
+              <a:t>SAP </a:t>
+            </a:r>
+            <a:r>
+              <a:rPr lang="de-DE" dirty="0" smtClean="0">
+                <a:highlight>
+                  <a:srgbClr val="FFFFFF"/>
+                </a:highlight>
+                <a:latin typeface="+mj-lt"/>
+              </a:rPr>
+              <a:t>HANA Express</a:t>
+            </a:r>
+            <a:endParaRPr lang="de-DE" dirty="0">
+              <a:highlight>
+                <a:srgbClr val="FFFFFF"/>
+              </a:highlight>
+              <a:latin typeface="+mj-lt"/>
+            </a:endParaRPr>
           </a:p>
           <a:p>
             <a:pPr marL="3048000" lvl="7">
@@ -14769,11 +14070,11 @@
             </a:r>
             <a:r>
               <a:rPr lang="de-DE" dirty="0"/>
-              <a:t>HANA </a:t>
+              <a:t>HANA Express  - </a:t>
             </a:r>
             <a:r>
               <a:rPr lang="de-DE" dirty="0" smtClean="0"/>
-              <a:t>- Einrichtung</a:t>
+              <a:t>Einrichtung</a:t>
             </a:r>
             <a:endParaRPr lang="de-DE" dirty="0"/>
           </a:p>
@@ -14927,7 +14228,11 @@
           <a:p>
             <a:r>
               <a:rPr lang="de-DE" dirty="0" smtClean="0"/>
-              <a:t>5. SAP HANA – </a:t>
+              <a:t>5. SAP HANA </a:t>
+            </a:r>
+            <a:r>
+              <a:rPr lang="de-DE" dirty="0"/>
+              <a:t> Express – </a:t>
             </a:r>
             <a:r>
               <a:rPr lang="de-DE" dirty="0" err="1" smtClean="0"/>
@@ -15452,7 +14757,15 @@
             </a:r>
             <a:r>
               <a:rPr lang="de-DE" dirty="0"/>
-              <a:t>HANA - Komprimierung</a:t>
+              <a:t>HANA </a:t>
+            </a:r>
+            <a:r>
+              <a:rPr lang="de-DE" dirty="0"/>
+              <a:t> Express - </a:t>
+            </a:r>
+            <a:r>
+              <a:rPr lang="de-DE" dirty="0"/>
+              <a:t>Komprimierung</a:t>
             </a:r>
           </a:p>
         </p:txBody>
@@ -15688,8 +15001,20 @@
               <a:t>5. SAP </a:t>
             </a:r>
             <a:r>
+              <a:rPr lang="de-DE" dirty="0" smtClean="0"/>
+              <a:t>HANA</a:t>
+            </a:r>
+            <a:r>
+              <a:rPr lang="de-DE" dirty="0" smtClean="0"/>
+              <a:t> </a:t>
+            </a:r>
+            <a:r>
               <a:rPr lang="de-DE" dirty="0"/>
-              <a:t>HANA - Komprimierung</a:t>
+              <a:t>- </a:t>
+            </a:r>
+            <a:r>
+              <a:rPr lang="de-DE" dirty="0"/>
+              <a:t>Komprimierung</a:t>
             </a:r>
           </a:p>
         </p:txBody>
@@ -16090,7 +15415,15 @@
             </a:r>
             <a:r>
               <a:rPr lang="de-DE" dirty="0"/>
-              <a:t>HANA - Hochverfügbarkeit</a:t>
+              <a:t>HANA </a:t>
+            </a:r>
+            <a:r>
+              <a:rPr lang="de-DE" dirty="0"/>
+              <a:t> Express - </a:t>
+            </a:r>
+            <a:r>
+              <a:rPr lang="de-DE" dirty="0"/>
+              <a:t>Hochverfügbarkeit</a:t>
             </a:r>
           </a:p>
         </p:txBody>
@@ -19150,7 +18483,7 @@
             <p:ph idx="1"/>
             <p:extLst>
               <p:ext uri="{D42A27DB-BD31-4B8C-83A1-F6EECF244321}">
-                <p14:modId xmlns:p14="http://schemas.microsoft.com/office/powerpoint/2010/main" val="3133853379"/>
+                <p14:modId xmlns:p14="http://schemas.microsoft.com/office/powerpoint/2010/main" val="361036310"/>
               </p:ext>
             </p:extLst>
           </p:nvPr>
@@ -19304,15 +18637,22 @@
                     <a:p>
                       <a:pPr algn="ctr" fontAlgn="ctr"/>
                       <a:r>
-                        <a:rPr lang="de-DE" sz="1100" b="0" i="0" u="none" strike="noStrike">
+                        <a:rPr lang="de-DE" sz="1100" b="0" i="0" u="none" strike="noStrike" dirty="0" smtClean="0">
                           <a:solidFill>
                             <a:srgbClr val="000000"/>
                           </a:solidFill>
                           <a:effectLst/>
                           <a:latin typeface="Calibri" panose="020F0502020204030204" pitchFamily="34" charset="0"/>
                         </a:rPr>
-                        <a:t>SAPHANA</a:t>
+                        <a:t>SAP HANA Express</a:t>
                       </a:r>
+                      <a:endParaRPr lang="de-DE" sz="1100" b="0" i="0" u="none" strike="noStrike" dirty="0">
+                        <a:solidFill>
+                          <a:srgbClr val="000000"/>
+                        </a:solidFill>
+                        <a:effectLst/>
+                        <a:latin typeface="Calibri" panose="020F0502020204030204" pitchFamily="34" charset="0"/>
+                      </a:endParaRPr>
                     </a:p>
                   </a:txBody>
                   <a:tcPr marL="0" marR="0" marT="0" marB="0" anchor="ctr">
@@ -24443,7 +23783,7 @@
           <p:nvPr>
             <p:extLst>
               <p:ext uri="{D42A27DB-BD31-4B8C-83A1-F6EECF244321}">
-                <p14:modId xmlns:p14="http://schemas.microsoft.com/office/powerpoint/2010/main" val="2037552310"/>
+                <p14:modId xmlns:p14="http://schemas.microsoft.com/office/powerpoint/2010/main" val="442821006"/>
               </p:ext>
             </p:extLst>
           </p:nvPr>
@@ -24471,6 +23811,10 @@
                       <a:r>
                         <a:rPr lang="de-DE" dirty="0" smtClean="0"/>
                         <a:t>SAP HANA </a:t>
+                      </a:r>
+                      <a:r>
+                        <a:rPr lang="de-DE" dirty="0" err="1" smtClean="0"/>
+                        <a:t>Exp</a:t>
                       </a:r>
                       <a:endParaRPr lang="de-DE" dirty="0"/>
                     </a:p>
@@ -24849,8 +24193,8 @@
         </p:nvSpPr>
         <p:spPr>
           <a:xfrm>
-            <a:off x="432000" y="180000"/>
-            <a:ext cx="6084216" cy="533400"/>
+            <a:off x="0" y="0"/>
+            <a:ext cx="6948264" cy="713400"/>
           </a:xfrm>
         </p:spPr>
         <p:txBody>
@@ -24863,7 +24207,23 @@
             </a:r>
             <a:r>
               <a:rPr lang="de-DE" dirty="0" smtClean="0"/>
-              <a:t>Benchmark SAP HANA vs. MSSQL</a:t>
+              <a:t>Benchmark SAP </a:t>
+            </a:r>
+            <a:r>
+              <a:rPr lang="de-DE" dirty="0" smtClean="0"/>
+              <a:t>HANA </a:t>
+            </a:r>
+            <a:r>
+              <a:rPr lang="de-DE" dirty="0" err="1" smtClean="0"/>
+              <a:t>Exp</a:t>
+            </a:r>
+            <a:r>
+              <a:rPr lang="de-DE" dirty="0" smtClean="0"/>
+              <a:t> </a:t>
+            </a:r>
+            <a:r>
+              <a:rPr lang="de-DE" dirty="0" smtClean="0"/>
+              <a:t>vs. MSSQL</a:t>
             </a:r>
             <a:endParaRPr lang="de-DE" dirty="0"/>
           </a:p>
@@ -25067,7 +24427,7 @@
           <p:nvPr>
             <p:extLst>
               <p:ext uri="{D42A27DB-BD31-4B8C-83A1-F6EECF244321}">
-                <p14:modId xmlns:p14="http://schemas.microsoft.com/office/powerpoint/2010/main" val="1974660842"/>
+                <p14:modId xmlns:p14="http://schemas.microsoft.com/office/powerpoint/2010/main" val="3040944960"/>
               </p:ext>
             </p:extLst>
           </p:nvPr>
@@ -25230,6 +24590,58 @@
                         </a:rPr>
                         <a:t>Kostenlos</a:t>
                       </a:r>
+                    </a:p>
+                    <a:p>
+                      <a:pPr marL="285750" marR="0" lvl="0" indent="-285750" algn="l" defTabSz="457200" rtl="0" eaLnBrk="1" fontAlgn="auto" latinLnBrk="0" hangingPunct="1">
+                        <a:lnSpc>
+                          <a:spcPct val="100000"/>
+                        </a:lnSpc>
+                        <a:spcBef>
+                          <a:spcPts val="0"/>
+                        </a:spcBef>
+                        <a:spcAft>
+                          <a:spcPts val="0"/>
+                        </a:spcAft>
+                        <a:buClrTx/>
+                        <a:buSzTx/>
+                        <a:buFont typeface="Arial" panose="020B0604020202020204" pitchFamily="34" charset="0"/>
+                        <a:buChar char="•"/>
+                        <a:tabLst/>
+                        <a:defRPr/>
+                      </a:pPr>
+                      <a:r>
+                        <a:rPr lang="de-DE" sz="1400" kern="1200" dirty="0" smtClean="0">
+                          <a:solidFill>
+                            <a:schemeClr val="dk1"/>
+                          </a:solidFill>
+                          <a:effectLst/>
+                          <a:latin typeface="+mn-lt"/>
+                          <a:ea typeface="+mn-ea"/>
+                          <a:cs typeface="+mn-cs"/>
+                        </a:rPr>
+                        <a:t>Sehr</a:t>
+                      </a:r>
+                      <a:r>
+                        <a:rPr lang="de-DE" sz="1400" kern="1200" baseline="0" dirty="0" smtClean="0">
+                          <a:solidFill>
+                            <a:schemeClr val="dk1"/>
+                          </a:solidFill>
+                          <a:effectLst/>
+                          <a:latin typeface="+mn-lt"/>
+                          <a:ea typeface="+mn-ea"/>
+                          <a:cs typeface="+mn-cs"/>
+                        </a:rPr>
+                        <a:t> gute Performance</a:t>
+                      </a:r>
+                      <a:endParaRPr lang="de-DE" sz="1400" kern="1200" dirty="0" smtClean="0">
+                        <a:solidFill>
+                          <a:schemeClr val="dk1"/>
+                        </a:solidFill>
+                        <a:effectLst/>
+                        <a:latin typeface="+mn-lt"/>
+                        <a:ea typeface="+mn-ea"/>
+                        <a:cs typeface="+mn-cs"/>
+                      </a:endParaRPr>
                     </a:p>
                     <a:p>
                       <a:pPr marL="0" indent="0">
@@ -27812,11 +27224,27 @@
             </a:pPr>
             <a:r>
               <a:rPr lang="de-DE" sz="2000" dirty="0" smtClean="0"/>
-              <a:t>SAP HANA:	</a:t>
+              <a:t>SAP </a:t>
+            </a:r>
+            <a:r>
+              <a:rPr lang="de-DE" sz="2000" dirty="0" smtClean="0"/>
+              <a:t>HANA </a:t>
+            </a:r>
+            <a:r>
+              <a:rPr lang="de-DE" sz="2000" dirty="0" err="1" smtClean="0"/>
+              <a:t>Exp:</a:t>
+            </a:r>
+            <a:r>
+              <a:rPr lang="de-DE" sz="1800" dirty="0" err="1" smtClean="0"/>
+              <a:t>Philipp</a:t>
             </a:r>
             <a:r>
               <a:rPr lang="de-DE" sz="1800" dirty="0" smtClean="0"/>
-              <a:t>Philipp Winkler</a:t>
+              <a:t> </a:t>
+            </a:r>
+            <a:r>
+              <a:rPr lang="de-DE" sz="1800" dirty="0" smtClean="0"/>
+              <a:t>Winkler</a:t>
             </a:r>
           </a:p>
           <a:p>

--- a/FINAL.pptx
+++ b/FINAL.pptx
@@ -447,11 +447,11 @@
           <c:showBubbleSize val="0"/>
         </c:dLbls>
         <c:smooth val="0"/>
-        <c:axId val="2079013920"/>
-        <c:axId val="2079020992"/>
+        <c:axId val="-605771440"/>
+        <c:axId val="-605770896"/>
       </c:lineChart>
       <c:catAx>
-        <c:axId val="2079013920"/>
+        <c:axId val="-605771440"/>
         <c:scaling>
           <c:orientation val="minMax"/>
         </c:scaling>
@@ -550,7 +550,7 @@
             <a:endParaRPr lang="de-DE"/>
           </a:p>
         </c:txPr>
-        <c:crossAx val="2079020992"/>
+        <c:crossAx val="-605770896"/>
         <c:crosses val="autoZero"/>
         <c:auto val="1"/>
         <c:lblAlgn val="ctr"/>
@@ -558,7 +558,7 @@
         <c:noMultiLvlLbl val="0"/>
       </c:catAx>
       <c:valAx>
-        <c:axId val="2079020992"/>
+        <c:axId val="-605770896"/>
         <c:scaling>
           <c:orientation val="minMax"/>
         </c:scaling>
@@ -665,7 +665,7 @@
             <a:endParaRPr lang="de-DE"/>
           </a:p>
         </c:txPr>
-        <c:crossAx val="2079013920"/>
+        <c:crossAx val="-605771440"/>
         <c:crosses val="autoZero"/>
         <c:crossBetween val="between"/>
       </c:valAx>
@@ -890,11 +890,11 @@
           <c:showBubbleSize val="0"/>
         </c:dLbls>
         <c:smooth val="0"/>
-        <c:axId val="1881315616"/>
-        <c:axId val="2111454752"/>
+        <c:axId val="-804218208"/>
+        <c:axId val="-575101056"/>
       </c:lineChart>
       <c:catAx>
-        <c:axId val="1881315616"/>
+        <c:axId val="-804218208"/>
         <c:scaling>
           <c:orientation val="minMax"/>
         </c:scaling>
@@ -1000,7 +1000,7 @@
             <a:endParaRPr lang="de-DE"/>
           </a:p>
         </c:txPr>
-        <c:crossAx val="2111454752"/>
+        <c:crossAx val="-575101056"/>
         <c:crosses val="autoZero"/>
         <c:auto val="1"/>
         <c:lblAlgn val="ctr"/>
@@ -1008,7 +1008,7 @@
         <c:noMultiLvlLbl val="0"/>
       </c:catAx>
       <c:valAx>
-        <c:axId val="2111454752"/>
+        <c:axId val="-575101056"/>
         <c:scaling>
           <c:orientation val="minMax"/>
         </c:scaling>
@@ -1115,7 +1115,7 @@
             <a:endParaRPr lang="de-DE"/>
           </a:p>
         </c:txPr>
-        <c:crossAx val="1881315616"/>
+        <c:crossAx val="-804218208"/>
         <c:crosses val="autoZero"/>
         <c:crossBetween val="between"/>
       </c:valAx>
@@ -4557,6 +4557,235 @@
       <dsp:cNvGrpSpPr/>
     </dsp:nvGrpSpPr>
     <dsp:grpSpPr/>
+    <dsp:sp modelId="{7BD97A4F-7CD1-4DE9-AD30-0E4EBC1DE354}">
+      <dsp:nvSpPr>
+        <dsp:cNvPr id="0" name=""/>
+        <dsp:cNvSpPr/>
+      </dsp:nvSpPr>
+      <dsp:spPr>
+        <a:xfrm>
+          <a:off x="0" y="139089"/>
+          <a:ext cx="4632176" cy="936000"/>
+        </a:xfrm>
+        <a:prstGeom prst="rightArrow">
+          <a:avLst/>
+        </a:prstGeom>
+        <a:solidFill>
+          <a:schemeClr val="accent1">
+            <a:hueOff val="0"/>
+            <a:satOff val="0"/>
+            <a:lumOff val="0"/>
+            <a:alphaOff val="0"/>
+          </a:schemeClr>
+        </a:solidFill>
+        <a:ln w="25400" cap="flat" cmpd="sng" algn="ctr">
+          <a:solidFill>
+            <a:schemeClr val="lt1">
+              <a:hueOff val="0"/>
+              <a:satOff val="0"/>
+              <a:lumOff val="0"/>
+              <a:alphaOff val="0"/>
+            </a:schemeClr>
+          </a:solidFill>
+          <a:prstDash val="solid"/>
+        </a:ln>
+        <a:effectLst/>
+      </dsp:spPr>
+      <dsp:style>
+        <a:lnRef idx="2">
+          <a:scrgbClr r="0" g="0" b="0"/>
+        </a:lnRef>
+        <a:fillRef idx="1">
+          <a:scrgbClr r="0" g="0" b="0"/>
+        </a:fillRef>
+        <a:effectRef idx="0">
+          <a:scrgbClr r="0" g="0" b="0"/>
+        </a:effectRef>
+        <a:fontRef idx="minor">
+          <a:schemeClr val="lt1"/>
+        </a:fontRef>
+      </dsp:style>
+    </dsp:sp>
+    <dsp:sp modelId="{08D0F303-4ECD-4398-98CD-1CFF8D6A2603}">
+      <dsp:nvSpPr>
+        <dsp:cNvPr id="0" name=""/>
+        <dsp:cNvSpPr/>
+      </dsp:nvSpPr>
+      <dsp:spPr>
+        <a:xfrm>
+          <a:off x="3860834" y="325493"/>
+          <a:ext cx="469324" cy="468000"/>
+        </a:xfrm>
+        <a:prstGeom prst="rect">
+          <a:avLst/>
+        </a:prstGeom>
+        <a:noFill/>
+        <a:ln>
+          <a:noFill/>
+        </a:ln>
+        <a:effectLst/>
+      </dsp:spPr>
+      <dsp:style>
+        <a:lnRef idx="0">
+          <a:scrgbClr r="0" g="0" b="0"/>
+        </a:lnRef>
+        <a:fillRef idx="0">
+          <a:scrgbClr r="0" g="0" b="0"/>
+        </a:fillRef>
+        <a:effectRef idx="0">
+          <a:scrgbClr r="0" g="0" b="0"/>
+        </a:effectRef>
+        <a:fontRef idx="minor"/>
+      </dsp:style>
+      <dsp:txBody>
+        <a:bodyPr spcFirstLastPara="0" vert="horz" wrap="square" lIns="0" tIns="132080" rIns="0" bIns="132080" numCol="1" spcCol="1270" anchor="ctr" anchorCtr="0">
+          <a:noAutofit/>
+        </a:bodyPr>
+        <a:lstStyle/>
+        <a:p>
+          <a:pPr lvl="0" algn="ctr" defTabSz="577850">
+            <a:lnSpc>
+              <a:spcPct val="90000"/>
+            </a:lnSpc>
+            <a:spcBef>
+              <a:spcPct val="0"/>
+            </a:spcBef>
+            <a:spcAft>
+              <a:spcPct val="35000"/>
+            </a:spcAft>
+          </a:pPr>
+          <a:r>
+            <a:rPr lang="de-DE" sz="1300" kern="1200" dirty="0" smtClean="0"/>
+            <a:t> </a:t>
+          </a:r>
+          <a:endParaRPr lang="de-DE" sz="1300" kern="1200" dirty="0"/>
+        </a:p>
+      </dsp:txBody>
+      <dsp:txXfrm>
+        <a:off x="3860834" y="325493"/>
+        <a:ext cx="469324" cy="468000"/>
+      </dsp:txXfrm>
+    </dsp:sp>
+    <dsp:sp modelId="{BFBD2FA7-76BA-49E2-9606-34D44E80369C}">
+      <dsp:nvSpPr>
+        <dsp:cNvPr id="0" name=""/>
+        <dsp:cNvSpPr/>
+      </dsp:nvSpPr>
+      <dsp:spPr>
+        <a:xfrm>
+          <a:off x="938435" y="325493"/>
+          <a:ext cx="2828534" cy="557079"/>
+        </a:xfrm>
+        <a:prstGeom prst="rect">
+          <a:avLst/>
+        </a:prstGeom>
+        <a:noFill/>
+        <a:ln>
+          <a:noFill/>
+        </a:ln>
+        <a:effectLst/>
+      </dsp:spPr>
+      <dsp:style>
+        <a:lnRef idx="0">
+          <a:scrgbClr r="0" g="0" b="0"/>
+        </a:lnRef>
+        <a:fillRef idx="0">
+          <a:scrgbClr r="0" g="0" b="0"/>
+        </a:fillRef>
+        <a:effectRef idx="0">
+          <a:scrgbClr r="0" g="0" b="0"/>
+        </a:effectRef>
+        <a:fontRef idx="minor"/>
+      </dsp:style>
+      <dsp:txBody>
+        <a:bodyPr spcFirstLastPara="0" vert="horz" wrap="square" lIns="0" tIns="132080" rIns="0" bIns="132080" numCol="1" spcCol="1270" anchor="ctr" anchorCtr="0">
+          <a:noAutofit/>
+        </a:bodyPr>
+        <a:lstStyle/>
+        <a:p>
+          <a:pPr lvl="0" algn="ctr" defTabSz="577850">
+            <a:lnSpc>
+              <a:spcPct val="90000"/>
+            </a:lnSpc>
+            <a:spcBef>
+              <a:spcPct val="0"/>
+            </a:spcBef>
+            <a:spcAft>
+              <a:spcPct val="35000"/>
+            </a:spcAft>
+          </a:pPr>
+          <a:r>
+            <a:rPr lang="de-DE" sz="1300" kern="1200" dirty="0" smtClean="0"/>
+            <a:t>Performance-Gewinn bis 10% möglich</a:t>
+          </a:r>
+          <a:endParaRPr lang="de-DE" sz="1300" kern="1200" dirty="0"/>
+        </a:p>
+      </dsp:txBody>
+      <dsp:txXfrm>
+        <a:off x="938435" y="325493"/>
+        <a:ext cx="2828534" cy="557079"/>
+      </dsp:txXfrm>
+    </dsp:sp>
+    <dsp:sp modelId="{CAFB5F5E-9E1A-436A-94D3-7167FE988209}">
+      <dsp:nvSpPr>
+        <dsp:cNvPr id="0" name=""/>
+        <dsp:cNvSpPr/>
+      </dsp:nvSpPr>
+      <dsp:spPr>
+        <a:xfrm>
+          <a:off x="375246" y="325493"/>
+          <a:ext cx="469324" cy="468000"/>
+        </a:xfrm>
+        <a:prstGeom prst="rect">
+          <a:avLst/>
+        </a:prstGeom>
+        <a:noFill/>
+        <a:ln>
+          <a:noFill/>
+        </a:ln>
+        <a:effectLst/>
+      </dsp:spPr>
+      <dsp:style>
+        <a:lnRef idx="0">
+          <a:scrgbClr r="0" g="0" b="0"/>
+        </a:lnRef>
+        <a:fillRef idx="0">
+          <a:scrgbClr r="0" g="0" b="0"/>
+        </a:fillRef>
+        <a:effectRef idx="0">
+          <a:scrgbClr r="0" g="0" b="0"/>
+        </a:effectRef>
+        <a:fontRef idx="minor"/>
+      </dsp:style>
+      <dsp:txBody>
+        <a:bodyPr spcFirstLastPara="0" vert="horz" wrap="square" lIns="0" tIns="132080" rIns="0" bIns="132080" numCol="1" spcCol="1270" anchor="ctr" anchorCtr="0">
+          <a:noAutofit/>
+        </a:bodyPr>
+        <a:lstStyle/>
+        <a:p>
+          <a:pPr lvl="0" algn="ctr" defTabSz="577850">
+            <a:lnSpc>
+              <a:spcPct val="90000"/>
+            </a:lnSpc>
+            <a:spcBef>
+              <a:spcPct val="0"/>
+            </a:spcBef>
+            <a:spcAft>
+              <a:spcPct val="35000"/>
+            </a:spcAft>
+          </a:pPr>
+          <a:r>
+            <a:rPr lang="de-DE" sz="1300" kern="1200" dirty="0" smtClean="0"/>
+            <a:t> </a:t>
+          </a:r>
+          <a:endParaRPr lang="de-DE" sz="1300" kern="1200" dirty="0"/>
+        </a:p>
+      </dsp:txBody>
+      <dsp:txXfrm>
+        <a:off x="375246" y="325493"/>
+        <a:ext cx="469324" cy="468000"/>
+      </dsp:txXfrm>
+    </dsp:sp>
   </dsp:spTree>
 </dsp:drawing>
 </file>
@@ -4569,6 +4798,491 @@
       <dsp:cNvGrpSpPr/>
     </dsp:nvGrpSpPr>
     <dsp:grpSpPr/>
+    <dsp:sp modelId="{6D5BC600-9713-4DD2-8781-C62073791FAC}">
+      <dsp:nvSpPr>
+        <dsp:cNvPr id="0" name=""/>
+        <dsp:cNvSpPr/>
+      </dsp:nvSpPr>
+      <dsp:spPr>
+        <a:xfrm>
+          <a:off x="4428492" y="1434510"/>
+          <a:ext cx="3124266" cy="520504"/>
+        </a:xfrm>
+        <a:custGeom>
+          <a:avLst/>
+          <a:gdLst/>
+          <a:ahLst/>
+          <a:cxnLst/>
+          <a:rect l="0" t="0" r="0" b="0"/>
+          <a:pathLst>
+            <a:path>
+              <a:moveTo>
+                <a:pt x="0" y="0"/>
+              </a:moveTo>
+              <a:lnTo>
+                <a:pt x="0" y="260252"/>
+              </a:lnTo>
+              <a:lnTo>
+                <a:pt x="3124266" y="260252"/>
+              </a:lnTo>
+              <a:lnTo>
+                <a:pt x="3124266" y="520504"/>
+              </a:lnTo>
+            </a:path>
+          </a:pathLst>
+        </a:custGeom>
+        <a:noFill/>
+        <a:ln w="25400" cap="flat" cmpd="sng" algn="ctr">
+          <a:solidFill>
+            <a:schemeClr val="accent1">
+              <a:shade val="60000"/>
+              <a:hueOff val="0"/>
+              <a:satOff val="0"/>
+              <a:lumOff val="0"/>
+              <a:alphaOff val="0"/>
+            </a:schemeClr>
+          </a:solidFill>
+          <a:prstDash val="solid"/>
+        </a:ln>
+        <a:effectLst/>
+      </dsp:spPr>
+      <dsp:style>
+        <a:lnRef idx="2">
+          <a:scrgbClr r="0" g="0" b="0"/>
+        </a:lnRef>
+        <a:fillRef idx="0">
+          <a:scrgbClr r="0" g="0" b="0"/>
+        </a:fillRef>
+        <a:effectRef idx="0">
+          <a:scrgbClr r="0" g="0" b="0"/>
+        </a:effectRef>
+        <a:fontRef idx="minor"/>
+      </dsp:style>
+    </dsp:sp>
+    <dsp:sp modelId="{A0BCFAE1-8822-4539-93A5-5470B2DFA620}">
+      <dsp:nvSpPr>
+        <dsp:cNvPr id="0" name=""/>
+        <dsp:cNvSpPr/>
+      </dsp:nvSpPr>
+      <dsp:spPr>
+        <a:xfrm>
+          <a:off x="4382772" y="1434510"/>
+          <a:ext cx="91440" cy="520504"/>
+        </a:xfrm>
+        <a:custGeom>
+          <a:avLst/>
+          <a:gdLst/>
+          <a:ahLst/>
+          <a:cxnLst/>
+          <a:rect l="0" t="0" r="0" b="0"/>
+          <a:pathLst>
+            <a:path>
+              <a:moveTo>
+                <a:pt x="45720" y="0"/>
+              </a:moveTo>
+              <a:lnTo>
+                <a:pt x="45720" y="520504"/>
+              </a:lnTo>
+            </a:path>
+          </a:pathLst>
+        </a:custGeom>
+        <a:noFill/>
+        <a:ln w="25400" cap="flat" cmpd="sng" algn="ctr">
+          <a:solidFill>
+            <a:schemeClr val="accent1">
+              <a:shade val="60000"/>
+              <a:hueOff val="0"/>
+              <a:satOff val="0"/>
+              <a:lumOff val="0"/>
+              <a:alphaOff val="0"/>
+            </a:schemeClr>
+          </a:solidFill>
+          <a:prstDash val="solid"/>
+        </a:ln>
+        <a:effectLst/>
+      </dsp:spPr>
+      <dsp:style>
+        <a:lnRef idx="2">
+          <a:scrgbClr r="0" g="0" b="0"/>
+        </a:lnRef>
+        <a:fillRef idx="0">
+          <a:scrgbClr r="0" g="0" b="0"/>
+        </a:fillRef>
+        <a:effectRef idx="0">
+          <a:scrgbClr r="0" g="0" b="0"/>
+        </a:effectRef>
+        <a:fontRef idx="minor"/>
+      </dsp:style>
+    </dsp:sp>
+    <dsp:sp modelId="{3F94FDAA-0F75-4010-8F21-8A7E01B0779A}">
+      <dsp:nvSpPr>
+        <dsp:cNvPr id="0" name=""/>
+        <dsp:cNvSpPr/>
+      </dsp:nvSpPr>
+      <dsp:spPr>
+        <a:xfrm>
+          <a:off x="1304225" y="1434510"/>
+          <a:ext cx="3124266" cy="520504"/>
+        </a:xfrm>
+        <a:custGeom>
+          <a:avLst/>
+          <a:gdLst/>
+          <a:ahLst/>
+          <a:cxnLst/>
+          <a:rect l="0" t="0" r="0" b="0"/>
+          <a:pathLst>
+            <a:path>
+              <a:moveTo>
+                <a:pt x="3124266" y="0"/>
+              </a:moveTo>
+              <a:lnTo>
+                <a:pt x="3124266" y="260252"/>
+              </a:lnTo>
+              <a:lnTo>
+                <a:pt x="0" y="260252"/>
+              </a:lnTo>
+              <a:lnTo>
+                <a:pt x="0" y="520504"/>
+              </a:lnTo>
+            </a:path>
+          </a:pathLst>
+        </a:custGeom>
+        <a:noFill/>
+        <a:ln w="25400" cap="flat" cmpd="sng" algn="ctr">
+          <a:solidFill>
+            <a:schemeClr val="accent1">
+              <a:shade val="60000"/>
+              <a:hueOff val="0"/>
+              <a:satOff val="0"/>
+              <a:lumOff val="0"/>
+              <a:alphaOff val="0"/>
+            </a:schemeClr>
+          </a:solidFill>
+          <a:prstDash val="solid"/>
+        </a:ln>
+        <a:effectLst/>
+      </dsp:spPr>
+      <dsp:style>
+        <a:lnRef idx="2">
+          <a:scrgbClr r="0" g="0" b="0"/>
+        </a:lnRef>
+        <a:fillRef idx="0">
+          <a:scrgbClr r="0" g="0" b="0"/>
+        </a:fillRef>
+        <a:effectRef idx="0">
+          <a:scrgbClr r="0" g="0" b="0"/>
+        </a:effectRef>
+        <a:fontRef idx="minor"/>
+      </dsp:style>
+    </dsp:sp>
+    <dsp:sp modelId="{AD4F7CBA-E243-4549-A341-273C65E98AC7}">
+      <dsp:nvSpPr>
+        <dsp:cNvPr id="0" name=""/>
+        <dsp:cNvSpPr/>
+      </dsp:nvSpPr>
+      <dsp:spPr>
+        <a:xfrm>
+          <a:off x="3126610" y="881288"/>
+          <a:ext cx="2603762" cy="553222"/>
+        </a:xfrm>
+        <a:prstGeom prst="rect">
+          <a:avLst/>
+        </a:prstGeom>
+        <a:solidFill>
+          <a:schemeClr val="accent1">
+            <a:hueOff val="0"/>
+            <a:satOff val="0"/>
+            <a:lumOff val="0"/>
+            <a:alphaOff val="0"/>
+          </a:schemeClr>
+        </a:solidFill>
+        <a:ln w="25400" cap="flat" cmpd="sng" algn="ctr">
+          <a:solidFill>
+            <a:schemeClr val="lt1">
+              <a:hueOff val="0"/>
+              <a:satOff val="0"/>
+              <a:lumOff val="0"/>
+              <a:alphaOff val="0"/>
+            </a:schemeClr>
+          </a:solidFill>
+          <a:prstDash val="solid"/>
+        </a:ln>
+        <a:effectLst/>
+      </dsp:spPr>
+      <dsp:style>
+        <a:lnRef idx="2">
+          <a:scrgbClr r="0" g="0" b="0"/>
+        </a:lnRef>
+        <a:fillRef idx="1">
+          <a:scrgbClr r="0" g="0" b="0"/>
+        </a:fillRef>
+        <a:effectRef idx="0">
+          <a:scrgbClr r="0" g="0" b="0"/>
+        </a:effectRef>
+        <a:fontRef idx="minor">
+          <a:schemeClr val="lt1"/>
+        </a:fontRef>
+      </dsp:style>
+      <dsp:txBody>
+        <a:bodyPr spcFirstLastPara="0" vert="horz" wrap="square" lIns="10795" tIns="10795" rIns="10795" bIns="10795" numCol="1" spcCol="1270" anchor="ctr" anchorCtr="0">
+          <a:noAutofit/>
+        </a:bodyPr>
+        <a:lstStyle/>
+        <a:p>
+          <a:pPr lvl="0" algn="ctr" defTabSz="755650">
+            <a:lnSpc>
+              <a:spcPct val="90000"/>
+            </a:lnSpc>
+            <a:spcBef>
+              <a:spcPct val="0"/>
+            </a:spcBef>
+            <a:spcAft>
+              <a:spcPct val="35000"/>
+            </a:spcAft>
+          </a:pPr>
+          <a:r>
+            <a:rPr lang="de-DE" sz="1700" kern="1200" dirty="0" smtClean="0"/>
+            <a:t>Komprimierungsverfahren</a:t>
+          </a:r>
+          <a:endParaRPr lang="de-DE" sz="1700" kern="1200" dirty="0"/>
+        </a:p>
+      </dsp:txBody>
+      <dsp:txXfrm>
+        <a:off x="3126610" y="881288"/>
+        <a:ext cx="2603762" cy="553222"/>
+      </dsp:txXfrm>
+    </dsp:sp>
+    <dsp:sp modelId="{D9456436-E822-44B1-8D51-B2E0CB5DBD3A}">
+      <dsp:nvSpPr>
+        <dsp:cNvPr id="0" name=""/>
+        <dsp:cNvSpPr/>
+      </dsp:nvSpPr>
+      <dsp:spPr>
+        <a:xfrm>
+          <a:off x="2344" y="1955015"/>
+          <a:ext cx="2603762" cy="553222"/>
+        </a:xfrm>
+        <a:prstGeom prst="rect">
+          <a:avLst/>
+        </a:prstGeom>
+        <a:solidFill>
+          <a:schemeClr val="accent1">
+            <a:hueOff val="0"/>
+            <a:satOff val="0"/>
+            <a:lumOff val="0"/>
+            <a:alphaOff val="0"/>
+          </a:schemeClr>
+        </a:solidFill>
+        <a:ln w="25400" cap="flat" cmpd="sng" algn="ctr">
+          <a:solidFill>
+            <a:schemeClr val="lt1">
+              <a:hueOff val="0"/>
+              <a:satOff val="0"/>
+              <a:lumOff val="0"/>
+              <a:alphaOff val="0"/>
+            </a:schemeClr>
+          </a:solidFill>
+          <a:prstDash val="solid"/>
+        </a:ln>
+        <a:effectLst/>
+      </dsp:spPr>
+      <dsp:style>
+        <a:lnRef idx="2">
+          <a:scrgbClr r="0" g="0" b="0"/>
+        </a:lnRef>
+        <a:fillRef idx="1">
+          <a:scrgbClr r="0" g="0" b="0"/>
+        </a:fillRef>
+        <a:effectRef idx="0">
+          <a:scrgbClr r="0" g="0" b="0"/>
+        </a:effectRef>
+        <a:fontRef idx="minor">
+          <a:schemeClr val="lt1"/>
+        </a:fontRef>
+      </dsp:style>
+      <dsp:txBody>
+        <a:bodyPr spcFirstLastPara="0" vert="horz" wrap="square" lIns="10795" tIns="10795" rIns="10795" bIns="10795" numCol="1" spcCol="1270" anchor="ctr" anchorCtr="0">
+          <a:noAutofit/>
+        </a:bodyPr>
+        <a:lstStyle/>
+        <a:p>
+          <a:pPr lvl="0" algn="ctr" defTabSz="755650">
+            <a:lnSpc>
+              <a:spcPct val="90000"/>
+            </a:lnSpc>
+            <a:spcBef>
+              <a:spcPct val="0"/>
+            </a:spcBef>
+            <a:spcAft>
+              <a:spcPct val="35000"/>
+            </a:spcAft>
+          </a:pPr>
+          <a:r>
+            <a:rPr lang="de-DE" sz="1700" kern="1200" dirty="0" smtClean="0"/>
+            <a:t>LZ4</a:t>
+          </a:r>
+          <a:endParaRPr lang="de-DE" sz="1700" kern="1200" dirty="0"/>
+        </a:p>
+      </dsp:txBody>
+      <dsp:txXfrm>
+        <a:off x="2344" y="1955015"/>
+        <a:ext cx="2603762" cy="553222"/>
+      </dsp:txXfrm>
+    </dsp:sp>
+    <dsp:sp modelId="{50C7FCC1-BE90-4BF0-892D-AC8FB740825F}">
+      <dsp:nvSpPr>
+        <dsp:cNvPr id="0" name=""/>
+        <dsp:cNvSpPr/>
+      </dsp:nvSpPr>
+      <dsp:spPr>
+        <a:xfrm>
+          <a:off x="3126610" y="1955015"/>
+          <a:ext cx="2603762" cy="553222"/>
+        </a:xfrm>
+        <a:prstGeom prst="rect">
+          <a:avLst/>
+        </a:prstGeom>
+        <a:solidFill>
+          <a:schemeClr val="accent1">
+            <a:hueOff val="0"/>
+            <a:satOff val="0"/>
+            <a:lumOff val="0"/>
+            <a:alphaOff val="0"/>
+          </a:schemeClr>
+        </a:solidFill>
+        <a:ln w="25400" cap="flat" cmpd="sng" algn="ctr">
+          <a:solidFill>
+            <a:schemeClr val="lt1">
+              <a:hueOff val="0"/>
+              <a:satOff val="0"/>
+              <a:lumOff val="0"/>
+              <a:alphaOff val="0"/>
+            </a:schemeClr>
+          </a:solidFill>
+          <a:prstDash val="solid"/>
+        </a:ln>
+        <a:effectLst/>
+      </dsp:spPr>
+      <dsp:style>
+        <a:lnRef idx="2">
+          <a:scrgbClr r="0" g="0" b="0"/>
+        </a:lnRef>
+        <a:fillRef idx="1">
+          <a:scrgbClr r="0" g="0" b="0"/>
+        </a:fillRef>
+        <a:effectRef idx="0">
+          <a:scrgbClr r="0" g="0" b="0"/>
+        </a:effectRef>
+        <a:fontRef idx="minor">
+          <a:schemeClr val="lt1"/>
+        </a:fontRef>
+      </dsp:style>
+      <dsp:txBody>
+        <a:bodyPr spcFirstLastPara="0" vert="horz" wrap="square" lIns="10795" tIns="10795" rIns="10795" bIns="10795" numCol="1" spcCol="1270" anchor="ctr" anchorCtr="0">
+          <a:noAutofit/>
+        </a:bodyPr>
+        <a:lstStyle/>
+        <a:p>
+          <a:pPr lvl="0" algn="ctr" defTabSz="755650">
+            <a:lnSpc>
+              <a:spcPct val="90000"/>
+            </a:lnSpc>
+            <a:spcBef>
+              <a:spcPct val="0"/>
+            </a:spcBef>
+            <a:spcAft>
+              <a:spcPct val="35000"/>
+            </a:spcAft>
+          </a:pPr>
+          <a:r>
+            <a:rPr lang="de-DE" sz="1700" kern="1200" dirty="0" err="1" smtClean="0"/>
+            <a:t>Snappy</a:t>
+          </a:r>
+          <a:endParaRPr lang="de-DE" sz="1700" kern="1200" dirty="0"/>
+        </a:p>
+      </dsp:txBody>
+      <dsp:txXfrm>
+        <a:off x="3126610" y="1955015"/>
+        <a:ext cx="2603762" cy="553222"/>
+      </dsp:txXfrm>
+    </dsp:sp>
+    <dsp:sp modelId="{870B6059-CB4D-40A3-8B74-E28545F75667}">
+      <dsp:nvSpPr>
+        <dsp:cNvPr id="0" name=""/>
+        <dsp:cNvSpPr/>
+      </dsp:nvSpPr>
+      <dsp:spPr>
+        <a:xfrm>
+          <a:off x="6250877" y="1955015"/>
+          <a:ext cx="2603762" cy="553222"/>
+        </a:xfrm>
+        <a:prstGeom prst="rect">
+          <a:avLst/>
+        </a:prstGeom>
+        <a:solidFill>
+          <a:schemeClr val="accent1">
+            <a:hueOff val="0"/>
+            <a:satOff val="0"/>
+            <a:lumOff val="0"/>
+            <a:alphaOff val="0"/>
+          </a:schemeClr>
+        </a:solidFill>
+        <a:ln w="25400" cap="flat" cmpd="sng" algn="ctr">
+          <a:solidFill>
+            <a:schemeClr val="lt1">
+              <a:hueOff val="0"/>
+              <a:satOff val="0"/>
+              <a:lumOff val="0"/>
+              <a:alphaOff val="0"/>
+            </a:schemeClr>
+          </a:solidFill>
+          <a:prstDash val="solid"/>
+        </a:ln>
+        <a:effectLst/>
+      </dsp:spPr>
+      <dsp:style>
+        <a:lnRef idx="2">
+          <a:scrgbClr r="0" g="0" b="0"/>
+        </a:lnRef>
+        <a:fillRef idx="1">
+          <a:scrgbClr r="0" g="0" b="0"/>
+        </a:fillRef>
+        <a:effectRef idx="0">
+          <a:scrgbClr r="0" g="0" b="0"/>
+        </a:effectRef>
+        <a:fontRef idx="minor">
+          <a:schemeClr val="lt1"/>
+        </a:fontRef>
+      </dsp:style>
+      <dsp:txBody>
+        <a:bodyPr spcFirstLastPara="0" vert="horz" wrap="square" lIns="10795" tIns="10795" rIns="10795" bIns="10795" numCol="1" spcCol="1270" anchor="ctr" anchorCtr="0">
+          <a:noAutofit/>
+        </a:bodyPr>
+        <a:lstStyle/>
+        <a:p>
+          <a:pPr lvl="0" algn="ctr" defTabSz="755650">
+            <a:lnSpc>
+              <a:spcPct val="90000"/>
+            </a:lnSpc>
+            <a:spcBef>
+              <a:spcPct val="0"/>
+            </a:spcBef>
+            <a:spcAft>
+              <a:spcPct val="35000"/>
+            </a:spcAft>
+          </a:pPr>
+          <a:r>
+            <a:rPr lang="de-DE" sz="1700" kern="1200" dirty="0" err="1" smtClean="0"/>
+            <a:t>Deflate</a:t>
+          </a:r>
+          <a:endParaRPr lang="de-DE" sz="1700" kern="1200" dirty="0"/>
+        </a:p>
+      </dsp:txBody>
+      <dsp:txXfrm>
+        <a:off x="6250877" y="1955015"/>
+        <a:ext cx="2603762" cy="553222"/>
+      </dsp:txXfrm>
+    </dsp:sp>
   </dsp:spTree>
 </dsp:drawing>
 </file>
@@ -9173,435 +9887,6 @@
           <a:bodyPr/>
           <a:lstStyle/>
           <a:p>
-            <a:r>
-              <a:rPr lang="de-DE" dirty="0" smtClean="0"/>
-              <a:t>https://docs.datastax.com/en/cassandra/3.0/cassandra/operations/opsConfigCompress.html</a:t>
-            </a:r>
-          </a:p>
-          <a:p>
-            <a:r>
-              <a:rPr lang="de-DE" dirty="0" smtClean="0"/>
-              <a:t>https://www.datastax.com/dev/blog/updates-to-cassandras-commit-log-in-2-2</a:t>
-            </a:r>
-          </a:p>
-          <a:p>
-            <a:r>
-              <a:rPr lang="de-DE" dirty="0" smtClean="0"/>
-              <a:t>https://docs.datastax.com/en/datastax_enterprise/4.8/datastax_enterprise/inmem/inmemUsingTables.html#inmemUsingTables__inMemoryTblLmt</a:t>
-            </a:r>
-          </a:p>
-          <a:p>
-            <a:r>
-              <a:rPr lang="de-DE" dirty="0" smtClean="0"/>
-              <a:t>https://docs.datastax.com/en/datastax_enterprise/4.8/datastax_enterprise/inmem/inmemTOC.html</a:t>
-            </a:r>
-          </a:p>
-          <a:p>
-            <a:r>
-              <a:rPr lang="de-DE" dirty="0" smtClean="0"/>
-              <a:t>https://docs.datastax.com/en/cassandra/3.0/cassandra/operations/opsConfigCompress.html</a:t>
-            </a:r>
-          </a:p>
-          <a:p>
-            <a:r>
-              <a:rPr lang="de-DE" dirty="0" smtClean="0"/>
-              <a:t>https://issues.apache.org/jira/browse/CASSANDRA-8099</a:t>
-            </a:r>
-          </a:p>
-          <a:p>
-            <a:r>
-              <a:rPr lang="de-DE" dirty="0" smtClean="0"/>
-              <a:t>https://www.datastax.com/2015/12/storage-engine-30</a:t>
-            </a:r>
-          </a:p>
-          <a:p>
-            <a:endParaRPr lang="de-DE" dirty="0" smtClean="0"/>
-          </a:p>
-          <a:p>
-            <a:r>
-              <a:rPr lang="de-DE" dirty="0" smtClean="0"/>
-              <a:t>LZ4:</a:t>
-            </a:r>
-          </a:p>
-          <a:p>
-            <a:r>
-              <a:rPr lang="de-DE" b="1" dirty="0" smtClean="0"/>
-              <a:t>LZ4</a:t>
-            </a:r>
-            <a:r>
-              <a:rPr lang="de-DE" dirty="0" smtClean="0"/>
-              <a:t> ist eine </a:t>
-            </a:r>
-            <a:r>
-              <a:rPr lang="de-DE" dirty="0" smtClean="0">
-                <a:hlinkClick r:id="rId3" tooltip="Freie Software"/>
-              </a:rPr>
-              <a:t>freie</a:t>
-            </a:r>
-            <a:r>
-              <a:rPr lang="de-DE" dirty="0" smtClean="0"/>
-              <a:t> </a:t>
-            </a:r>
-            <a:r>
-              <a:rPr lang="de-DE" dirty="0" smtClean="0">
-                <a:hlinkClick r:id="rId4" tooltip="Programmbibliothek"/>
-              </a:rPr>
-              <a:t>Programmbibliothek</a:t>
-            </a:r>
-            <a:r>
-              <a:rPr lang="de-DE" dirty="0" smtClean="0"/>
-              <a:t> zum </a:t>
-            </a:r>
-            <a:r>
-              <a:rPr lang="de-DE" dirty="0" smtClean="0">
-                <a:hlinkClick r:id="rId5" tooltip="Datenkompression"/>
-              </a:rPr>
-              <a:t>Komprimieren</a:t>
-            </a:r>
-            <a:r>
-              <a:rPr lang="de-DE" dirty="0" smtClean="0"/>
-              <a:t> und Dekomprimieren von Daten. Der Algorithmus gehört zur </a:t>
-            </a:r>
-            <a:r>
-              <a:rPr lang="de-DE" dirty="0" smtClean="0">
-                <a:hlinkClick r:id="rId6" tooltip="LZ77"/>
-              </a:rPr>
-              <a:t>LZ77</a:t>
-            </a:r>
-            <a:r>
-              <a:rPr lang="de-DE" dirty="0" smtClean="0"/>
-              <a:t>-Familie und wurde von Yann </a:t>
-            </a:r>
-            <a:r>
-              <a:rPr lang="de-DE" dirty="0" err="1" smtClean="0"/>
-              <a:t>Collet</a:t>
-            </a:r>
-            <a:r>
-              <a:rPr lang="de-DE" dirty="0" smtClean="0"/>
-              <a:t> entwickelt. Er ist auf hohe Kompressions- und Dekompressionsgeschwindigkeit ausgelegt, die offizielle Webseite gibt 400 MB/s pro Kern an.</a:t>
-            </a:r>
-            <a:r>
-              <a:rPr lang="de-DE" baseline="30000" dirty="0" smtClean="0">
-                <a:hlinkClick r:id="rId7"/>
-              </a:rPr>
-              <a:t>[3]</a:t>
-            </a:r>
-            <a:r>
-              <a:rPr lang="de-DE" dirty="0" smtClean="0"/>
-              <a:t> </a:t>
-            </a:r>
-          </a:p>
-          <a:p>
-            <a:r>
-              <a:rPr lang="de-DE" dirty="0" smtClean="0"/>
-              <a:t>LZ4 wird von den Dateisystemen </a:t>
-            </a:r>
-            <a:r>
-              <a:rPr lang="de-DE" dirty="0" smtClean="0">
-                <a:hlinkClick r:id="rId8" tooltip="ZFS (Dateisystem)"/>
-              </a:rPr>
-              <a:t>ZFS</a:t>
-            </a:r>
-            <a:r>
-              <a:rPr lang="de-DE" baseline="30000" dirty="0" smtClean="0">
-                <a:hlinkClick r:id="rId9"/>
-              </a:rPr>
-              <a:t>[4]</a:t>
-            </a:r>
-            <a:r>
-              <a:rPr lang="de-DE" dirty="0" smtClean="0"/>
-              <a:t> und </a:t>
-            </a:r>
-            <a:r>
-              <a:rPr lang="de-DE" dirty="0" err="1" smtClean="0">
-                <a:hlinkClick r:id="rId10" tooltip="SquashFS"/>
-              </a:rPr>
-              <a:t>SquashFS</a:t>
-            </a:r>
-            <a:r>
-              <a:rPr lang="de-DE" dirty="0" smtClean="0"/>
-              <a:t> zur On-</a:t>
-            </a:r>
-            <a:r>
-              <a:rPr lang="de-DE" dirty="0" err="1" smtClean="0"/>
-              <a:t>the</a:t>
-            </a:r>
-            <a:r>
-              <a:rPr lang="de-DE" dirty="0" smtClean="0"/>
-              <a:t>-</a:t>
-            </a:r>
-            <a:r>
-              <a:rPr lang="de-DE" dirty="0" err="1" smtClean="0"/>
-              <a:t>fly</a:t>
-            </a:r>
-            <a:r>
-              <a:rPr lang="de-DE" dirty="0" smtClean="0"/>
-              <a:t>-Kompression genutzt.</a:t>
-            </a:r>
-          </a:p>
-          <a:p>
-            <a:endParaRPr lang="de-DE" dirty="0" smtClean="0"/>
-          </a:p>
-          <a:p>
-            <a:r>
-              <a:rPr lang="de-DE" dirty="0" err="1" smtClean="0"/>
-              <a:t>Snappy</a:t>
-            </a:r>
-            <a:r>
-              <a:rPr lang="de-DE" dirty="0" smtClean="0"/>
-              <a:t>:</a:t>
-            </a:r>
-          </a:p>
-          <a:p>
-            <a:r>
-              <a:rPr lang="de-DE" b="1" dirty="0" err="1" smtClean="0"/>
-              <a:t>Snappy</a:t>
-            </a:r>
-            <a:r>
-              <a:rPr lang="de-DE" dirty="0" smtClean="0"/>
-              <a:t> ist eine </a:t>
-            </a:r>
-            <a:r>
-              <a:rPr lang="de-DE" dirty="0" smtClean="0">
-                <a:hlinkClick r:id="rId3" tooltip="Freie Software"/>
-              </a:rPr>
-              <a:t>freie</a:t>
-            </a:r>
-            <a:r>
-              <a:rPr lang="de-DE" dirty="0" smtClean="0"/>
-              <a:t> </a:t>
-            </a:r>
-            <a:r>
-              <a:rPr lang="de-DE" dirty="0" smtClean="0">
-                <a:hlinkClick r:id="rId4" tooltip="Programmbibliothek"/>
-              </a:rPr>
-              <a:t>Programmbibliothek</a:t>
-            </a:r>
-            <a:r>
-              <a:rPr lang="de-DE" dirty="0" smtClean="0"/>
-              <a:t> zum </a:t>
-            </a:r>
-            <a:r>
-              <a:rPr lang="de-DE" dirty="0" smtClean="0">
-                <a:hlinkClick r:id="rId5" tooltip="Datenkompression"/>
-              </a:rPr>
-              <a:t>Komprimieren</a:t>
-            </a:r>
-            <a:r>
-              <a:rPr lang="de-DE" dirty="0" smtClean="0"/>
-              <a:t> und Dekomprimieren von Daten. Der Algorithmus wurde von </a:t>
-            </a:r>
-            <a:r>
-              <a:rPr lang="de-DE" dirty="0" smtClean="0">
-                <a:hlinkClick r:id="rId11" tooltip="Google"/>
-              </a:rPr>
-              <a:t>Google</a:t>
-            </a:r>
-            <a:r>
-              <a:rPr lang="de-DE" dirty="0" smtClean="0"/>
-              <a:t> entwickelt und 2011 unter freier </a:t>
-            </a:r>
-            <a:r>
-              <a:rPr lang="de-DE" dirty="0" smtClean="0">
-                <a:hlinkClick r:id="rId12" tooltip="BSD-Lizenz"/>
-              </a:rPr>
-              <a:t>BSD-Lizenz</a:t>
-            </a:r>
-            <a:r>
-              <a:rPr lang="de-DE" dirty="0" smtClean="0"/>
-              <a:t> veröffentlicht. Er ist auf hohe Kompressions- und Dekompressionsgeschwindigkeit ausgelegt, die Kompressionsrate ist daher deutlich schlechter als die von </a:t>
-            </a:r>
-            <a:r>
-              <a:rPr lang="de-DE" dirty="0" err="1" smtClean="0">
-                <a:hlinkClick r:id="rId13" tooltip="Zlib"/>
-              </a:rPr>
-              <a:t>zlib</a:t>
-            </a:r>
-            <a:r>
-              <a:rPr lang="de-DE" dirty="0" smtClean="0"/>
-              <a:t>. </a:t>
-            </a:r>
-            <a:r>
-              <a:rPr lang="de-DE" dirty="0" err="1" smtClean="0"/>
-              <a:t>Snappy</a:t>
-            </a:r>
-            <a:r>
-              <a:rPr lang="de-DE" dirty="0" smtClean="0"/>
-              <a:t> ist schneller als der vergleichbare Algorithmus </a:t>
-            </a:r>
-            <a:r>
-              <a:rPr lang="de-DE" dirty="0" smtClean="0">
-                <a:hlinkClick r:id="rId14" tooltip="Lempel-Ziv-Oberhumer"/>
-              </a:rPr>
-              <a:t>LZO</a:t>
-            </a:r>
-            <a:r>
-              <a:rPr lang="de-DE" dirty="0" smtClean="0"/>
-              <a:t>.</a:t>
-            </a:r>
-            <a:r>
-              <a:rPr lang="de-DE" baseline="30000" dirty="0" smtClean="0">
-                <a:hlinkClick r:id="rId15"/>
-              </a:rPr>
-              <a:t>[2]</a:t>
-            </a:r>
-            <a:r>
-              <a:rPr lang="de-DE" baseline="30000" dirty="0" smtClean="0">
-                <a:hlinkClick r:id="rId16"/>
-              </a:rPr>
-              <a:t>[3]</a:t>
-            </a:r>
-            <a:r>
-              <a:rPr lang="de-DE" baseline="30000" dirty="0" smtClean="0">
-                <a:hlinkClick r:id="rId17"/>
-              </a:rPr>
-              <a:t>[4]</a:t>
-            </a:r>
-            <a:r>
-              <a:rPr lang="de-DE" dirty="0" smtClean="0"/>
-              <a:t> </a:t>
-            </a:r>
-          </a:p>
-          <a:p>
-            <a:r>
-              <a:rPr lang="de-DE" dirty="0" err="1" smtClean="0"/>
-              <a:t>Snappy</a:t>
-            </a:r>
-            <a:r>
-              <a:rPr lang="de-DE" dirty="0" smtClean="0"/>
-              <a:t> wird von Google-eigenen Programmen </a:t>
-            </a:r>
-            <a:r>
-              <a:rPr lang="de-DE" dirty="0" err="1" smtClean="0">
-                <a:hlinkClick r:id="rId18" tooltip="MapReduce"/>
-              </a:rPr>
-              <a:t>MapReduce</a:t>
-            </a:r>
-            <a:r>
-              <a:rPr lang="de-DE" dirty="0" smtClean="0"/>
-              <a:t> und </a:t>
-            </a:r>
-            <a:r>
-              <a:rPr lang="de-DE" dirty="0" err="1" smtClean="0">
-                <a:hlinkClick r:id="rId19" tooltip="BigTable"/>
-              </a:rPr>
-              <a:t>BigTable</a:t>
-            </a:r>
-            <a:r>
-              <a:rPr lang="de-DE" dirty="0" smtClean="0"/>
-              <a:t> sowie den Apache-Projekten </a:t>
-            </a:r>
-            <a:r>
-              <a:rPr lang="de-DE" dirty="0" err="1" smtClean="0">
-                <a:hlinkClick r:id="rId20" tooltip="Hadoop"/>
-              </a:rPr>
-              <a:t>Hadoop</a:t>
-            </a:r>
-            <a:r>
-              <a:rPr lang="de-DE" dirty="0" smtClean="0"/>
-              <a:t> und </a:t>
-            </a:r>
-            <a:r>
-              <a:rPr lang="de-DE" dirty="0" err="1" smtClean="0">
-                <a:hlinkClick r:id="rId21" tooltip="Lucene"/>
-              </a:rPr>
-              <a:t>Lucene</a:t>
-            </a:r>
-            <a:r>
-              <a:rPr lang="de-DE" dirty="0" smtClean="0"/>
-              <a:t> genutzt. </a:t>
-            </a:r>
-          </a:p>
-          <a:p>
-            <a:endParaRPr lang="de-DE" dirty="0" smtClean="0"/>
-          </a:p>
-          <a:p>
-            <a:r>
-              <a:rPr lang="de-DE" dirty="0" err="1" smtClean="0"/>
-              <a:t>Deflate</a:t>
-            </a:r>
-            <a:r>
-              <a:rPr lang="de-DE" dirty="0" smtClean="0"/>
-              <a:t>:</a:t>
-            </a:r>
-          </a:p>
-          <a:p>
-            <a:r>
-              <a:rPr lang="de-DE" b="1" dirty="0" err="1" smtClean="0"/>
-              <a:t>Deflate</a:t>
-            </a:r>
-            <a:r>
-              <a:rPr lang="de-DE" dirty="0" smtClean="0"/>
-              <a:t> (</a:t>
-            </a:r>
-            <a:r>
-              <a:rPr lang="de-DE" dirty="0" smtClean="0">
-                <a:hlinkClick r:id="rId22" tooltip="Englische Sprache"/>
-              </a:rPr>
-              <a:t>englisch</a:t>
-            </a:r>
-            <a:r>
-              <a:rPr lang="de-DE" dirty="0" smtClean="0"/>
-              <a:t> für </a:t>
-            </a:r>
-            <a:r>
-              <a:rPr lang="de-DE" i="1" dirty="0" smtClean="0"/>
-              <a:t>die Luft herauslassen</a:t>
-            </a:r>
-            <a:r>
-              <a:rPr lang="de-DE" dirty="0" smtClean="0"/>
-              <a:t>) ist ein </a:t>
-            </a:r>
-            <a:r>
-              <a:rPr lang="de-DE" dirty="0" smtClean="0">
-                <a:hlinkClick r:id="rId23" tooltip="Algorithmus"/>
-              </a:rPr>
-              <a:t>Algorithmus</a:t>
-            </a:r>
-            <a:r>
-              <a:rPr lang="de-DE" dirty="0" smtClean="0"/>
-              <a:t> zur verlustlosen </a:t>
-            </a:r>
-            <a:r>
-              <a:rPr lang="de-DE" dirty="0" smtClean="0">
-                <a:hlinkClick r:id="rId5" tooltip="Datenkompression"/>
-              </a:rPr>
-              <a:t>Datenkompression</a:t>
-            </a:r>
-            <a:r>
-              <a:rPr lang="de-DE" dirty="0" smtClean="0"/>
-              <a:t>. Er wurde von </a:t>
-            </a:r>
-            <a:r>
-              <a:rPr lang="de-DE" dirty="0" smtClean="0">
-                <a:hlinkClick r:id="rId24" tooltip="Phil Katz"/>
-              </a:rPr>
-              <a:t>Phil Katz</a:t>
-            </a:r>
-            <a:r>
-              <a:rPr lang="de-DE" dirty="0" smtClean="0"/>
-              <a:t> für das </a:t>
-            </a:r>
-            <a:r>
-              <a:rPr lang="de-DE" dirty="0" smtClean="0">
-                <a:hlinkClick r:id="rId25" tooltip="ZIP (Dateiformat)"/>
-              </a:rPr>
-              <a:t>ZIP</a:t>
-            </a:r>
-            <a:r>
-              <a:rPr lang="de-DE" dirty="0" smtClean="0"/>
-              <a:t>-Archivformat entwickelt und später der </a:t>
-            </a:r>
-            <a:r>
-              <a:rPr lang="de-DE" dirty="0" smtClean="0">
-                <a:hlinkClick r:id="rId26" tooltip="Gemeinfreiheit"/>
-              </a:rPr>
-              <a:t>Gemeinfreiheit</a:t>
-            </a:r>
-            <a:r>
-              <a:rPr lang="de-DE" dirty="0" smtClean="0"/>
-              <a:t> zugeführt. </a:t>
-            </a:r>
             <a:endParaRPr lang="de-DE" dirty="0"/>
           </a:p>
         </p:txBody>
@@ -9624,7 +9909,7 @@
             <a:fld id="{AB9EDB5D-BD4B-C740-8F6C-B28044BEA9E4}" type="slidenum">
               <a:rPr lang="de-DE" smtClean="0"/>
               <a:pPr/>
-              <a:t>18</a:t>
+              <a:t>17</a:t>
             </a:fld>
             <a:endParaRPr lang="de-DE"/>
           </a:p>
@@ -9633,7 +9918,7 @@
     </p:spTree>
     <p:extLst>
       <p:ext uri="{BB962C8B-B14F-4D97-AF65-F5344CB8AC3E}">
-        <p14:creationId xmlns:p14="http://schemas.microsoft.com/office/powerpoint/2010/main" val="1631857999"/>
+        <p14:creationId xmlns:p14="http://schemas.microsoft.com/office/powerpoint/2010/main" val="1132757274"/>
       </p:ext>
     </p:extLst>
   </p:cSld>
@@ -9689,36 +9974,433 @@
           <a:p>
             <a:r>
               <a:rPr lang="de-DE" dirty="0" smtClean="0"/>
+              <a:t>https://docs.datastax.com/en/cassandra/3.0/cassandra/operations/opsConfigCompress.html</a:t>
+            </a:r>
+          </a:p>
+          <a:p>
+            <a:r>
+              <a:rPr lang="de-DE" dirty="0" smtClean="0"/>
+              <a:t>https://www.datastax.com/dev/blog/updates-to-cassandras-commit-log-in-2-2</a:t>
+            </a:r>
+          </a:p>
+          <a:p>
+            <a:r>
+              <a:rPr lang="de-DE" dirty="0" smtClean="0"/>
+              <a:t>https://docs.datastax.com/en/datastax_enterprise/4.8/datastax_enterprise/inmem/inmemUsingTables.html#inmemUsingTables__inMemoryTblLmt</a:t>
+            </a:r>
+          </a:p>
+          <a:p>
+            <a:r>
+              <a:rPr lang="de-DE" dirty="0" smtClean="0"/>
+              <a:t>https://docs.datastax.com/en/datastax_enterprise/4.8/datastax_enterprise/inmem/inmemTOC.html</a:t>
+            </a:r>
+          </a:p>
+          <a:p>
+            <a:r>
+              <a:rPr lang="de-DE" dirty="0" smtClean="0"/>
+              <a:t>https://docs.datastax.com/en/cassandra/3.0/cassandra/operations/opsConfigCompress.html</a:t>
+            </a:r>
+          </a:p>
+          <a:p>
+            <a:r>
+              <a:rPr lang="de-DE" dirty="0" smtClean="0"/>
+              <a:t>https://issues.apache.org/jira/browse/CASSANDRA-8099</a:t>
+            </a:r>
+          </a:p>
+          <a:p>
+            <a:r>
+              <a:rPr lang="de-DE" dirty="0" smtClean="0"/>
               <a:t>https://www.datastax.com/2015/12/storage-engine-30</a:t>
             </a:r>
           </a:p>
           <a:p>
+            <a:endParaRPr lang="de-DE" dirty="0" smtClean="0"/>
+          </a:p>
+          <a:p>
             <a:r>
               <a:rPr lang="de-DE" dirty="0" smtClean="0"/>
-              <a:t>Quelle https://www.bigdata-insider.de/</a:t>
-            </a:r>
-          </a:p>
-          <a:p>
+              <a:t>LZ4:</a:t>
+            </a:r>
+          </a:p>
+          <a:p>
+            <a:r>
+              <a:rPr lang="de-DE" b="1" dirty="0" smtClean="0"/>
+              <a:t>LZ4</a:t>
+            </a:r>
             <a:r>
               <a:rPr lang="de-DE" dirty="0" smtClean="0"/>
-              <a:t>grundlagen-der-</a:t>
+              <a:t> ist eine </a:t>
+            </a:r>
+            <a:r>
+              <a:rPr lang="de-DE" dirty="0" smtClean="0">
+                <a:hlinkClick r:id="rId3" tooltip="Freie Software"/>
+              </a:rPr>
+              <a:t>freie</a:t>
+            </a:r>
+            <a:r>
+              <a:rPr lang="de-DE" dirty="0" smtClean="0"/>
+              <a:t> </a:t>
+            </a:r>
+            <a:r>
+              <a:rPr lang="de-DE" dirty="0" smtClean="0">
+                <a:hlinkClick r:id="rId4" tooltip="Programmbibliothek"/>
+              </a:rPr>
+              <a:t>Programmbibliothek</a:t>
+            </a:r>
+            <a:r>
+              <a:rPr lang="de-DE" dirty="0" smtClean="0"/>
+              <a:t> zum </a:t>
+            </a:r>
+            <a:r>
+              <a:rPr lang="de-DE" dirty="0" smtClean="0">
+                <a:hlinkClick r:id="rId5" tooltip="Datenkompression"/>
+              </a:rPr>
+              <a:t>Komprimieren</a:t>
+            </a:r>
+            <a:r>
+              <a:rPr lang="de-DE" dirty="0" smtClean="0"/>
+              <a:t> und Dekomprimieren von Daten. Der Algorithmus gehört zur </a:t>
+            </a:r>
+            <a:r>
+              <a:rPr lang="de-DE" dirty="0" smtClean="0">
+                <a:hlinkClick r:id="rId6" tooltip="LZ77"/>
+              </a:rPr>
+              <a:t>LZ77</a:t>
+            </a:r>
+            <a:r>
+              <a:rPr lang="de-DE" dirty="0" smtClean="0"/>
+              <a:t>-Familie und wurde von Yann </a:t>
             </a:r>
             <a:r>
               <a:rPr lang="de-DE" dirty="0" err="1" smtClean="0"/>
-              <a:t>nosql</a:t>
+              <a:t>Collet</a:t>
+            </a:r>
+            <a:r>
+              <a:rPr lang="de-DE" dirty="0" smtClean="0"/>
+              <a:t> entwickelt. Er ist auf hohe Kompressions- und Dekompressionsgeschwindigkeit ausgelegt, die offizielle Webseite gibt 400 MB/s pro Kern an.</a:t>
+            </a:r>
+            <a:r>
+              <a:rPr lang="de-DE" baseline="30000" dirty="0" smtClean="0">
+                <a:hlinkClick r:id="rId7"/>
+              </a:rPr>
+              <a:t>[3]</a:t>
+            </a:r>
+            <a:r>
+              <a:rPr lang="de-DE" dirty="0" smtClean="0"/>
+              <a:t> </a:t>
+            </a:r>
+          </a:p>
+          <a:p>
+            <a:r>
+              <a:rPr lang="de-DE" dirty="0" smtClean="0"/>
+              <a:t>LZ4 wird von den Dateisystemen </a:t>
+            </a:r>
+            <a:r>
+              <a:rPr lang="de-DE" dirty="0" smtClean="0">
+                <a:hlinkClick r:id="rId8" tooltip="ZFS (Dateisystem)"/>
+              </a:rPr>
+              <a:t>ZFS</a:t>
+            </a:r>
+            <a:r>
+              <a:rPr lang="de-DE" baseline="30000" dirty="0" smtClean="0">
+                <a:hlinkClick r:id="rId9"/>
+              </a:rPr>
+              <a:t>[4]</a:t>
+            </a:r>
+            <a:r>
+              <a:rPr lang="de-DE" dirty="0" smtClean="0"/>
+              <a:t> und </a:t>
+            </a:r>
+            <a:r>
+              <a:rPr lang="de-DE" dirty="0" err="1" smtClean="0">
+                <a:hlinkClick r:id="rId10" tooltip="SquashFS"/>
+              </a:rPr>
+              <a:t>SquashFS</a:t>
+            </a:r>
+            <a:r>
+              <a:rPr lang="de-DE" dirty="0" smtClean="0"/>
+              <a:t> zur On-</a:t>
+            </a:r>
+            <a:r>
+              <a:rPr lang="de-DE" dirty="0" err="1" smtClean="0"/>
+              <a:t>the</a:t>
             </a:r>
             <a:r>
               <a:rPr lang="de-DE" dirty="0" smtClean="0"/>
               <a:t>-</a:t>
             </a:r>
-          </a:p>
-          <a:p>
+            <a:r>
+              <a:rPr lang="de-DE" dirty="0" err="1" smtClean="0"/>
+              <a:t>fly</a:t>
+            </a:r>
             <a:r>
               <a:rPr lang="de-DE" dirty="0" smtClean="0"/>
-              <a:t>datenbank-apache-cassandra-a-512231/ </a:t>
-            </a:r>
-          </a:p>
-          <a:p>
+              <a:t>-Kompression genutzt.</a:t>
+            </a:r>
+          </a:p>
+          <a:p>
+            <a:endParaRPr lang="de-DE" dirty="0" smtClean="0"/>
+          </a:p>
+          <a:p>
+            <a:r>
+              <a:rPr lang="de-DE" dirty="0" err="1" smtClean="0"/>
+              <a:t>Snappy</a:t>
+            </a:r>
+            <a:r>
+              <a:rPr lang="de-DE" dirty="0" smtClean="0"/>
+              <a:t>:</a:t>
+            </a:r>
+          </a:p>
+          <a:p>
+            <a:r>
+              <a:rPr lang="de-DE" b="1" dirty="0" err="1" smtClean="0"/>
+              <a:t>Snappy</a:t>
+            </a:r>
+            <a:r>
+              <a:rPr lang="de-DE" dirty="0" smtClean="0"/>
+              <a:t> ist eine </a:t>
+            </a:r>
+            <a:r>
+              <a:rPr lang="de-DE" dirty="0" smtClean="0">
+                <a:hlinkClick r:id="rId3" tooltip="Freie Software"/>
+              </a:rPr>
+              <a:t>freie</a:t>
+            </a:r>
+            <a:r>
+              <a:rPr lang="de-DE" dirty="0" smtClean="0"/>
+              <a:t> </a:t>
+            </a:r>
+            <a:r>
+              <a:rPr lang="de-DE" dirty="0" smtClean="0">
+                <a:hlinkClick r:id="rId4" tooltip="Programmbibliothek"/>
+              </a:rPr>
+              <a:t>Programmbibliothek</a:t>
+            </a:r>
+            <a:r>
+              <a:rPr lang="de-DE" dirty="0" smtClean="0"/>
+              <a:t> zum </a:t>
+            </a:r>
+            <a:r>
+              <a:rPr lang="de-DE" dirty="0" smtClean="0">
+                <a:hlinkClick r:id="rId5" tooltip="Datenkompression"/>
+              </a:rPr>
+              <a:t>Komprimieren</a:t>
+            </a:r>
+            <a:r>
+              <a:rPr lang="de-DE" dirty="0" smtClean="0"/>
+              <a:t> und Dekomprimieren von Daten. Der Algorithmus wurde von </a:t>
+            </a:r>
+            <a:r>
+              <a:rPr lang="de-DE" dirty="0" smtClean="0">
+                <a:hlinkClick r:id="rId11" tooltip="Google"/>
+              </a:rPr>
+              <a:t>Google</a:t>
+            </a:r>
+            <a:r>
+              <a:rPr lang="de-DE" dirty="0" smtClean="0"/>
+              <a:t> entwickelt und 2011 unter freier </a:t>
+            </a:r>
+            <a:r>
+              <a:rPr lang="de-DE" dirty="0" smtClean="0">
+                <a:hlinkClick r:id="rId12" tooltip="BSD-Lizenz"/>
+              </a:rPr>
+              <a:t>BSD-Lizenz</a:t>
+            </a:r>
+            <a:r>
+              <a:rPr lang="de-DE" dirty="0" smtClean="0"/>
+              <a:t> veröffentlicht. Er ist auf hohe Kompressions- und Dekompressionsgeschwindigkeit ausgelegt, die Kompressionsrate ist daher deutlich schlechter als die von </a:t>
+            </a:r>
+            <a:r>
+              <a:rPr lang="de-DE" dirty="0" err="1" smtClean="0">
+                <a:hlinkClick r:id="rId13" tooltip="Zlib"/>
+              </a:rPr>
+              <a:t>zlib</a:t>
+            </a:r>
+            <a:r>
+              <a:rPr lang="de-DE" dirty="0" smtClean="0"/>
+              <a:t>. </a:t>
+            </a:r>
+            <a:r>
+              <a:rPr lang="de-DE" dirty="0" err="1" smtClean="0"/>
+              <a:t>Snappy</a:t>
+            </a:r>
+            <a:r>
+              <a:rPr lang="de-DE" dirty="0" smtClean="0"/>
+              <a:t> ist schneller als der vergleichbare Algorithmus </a:t>
+            </a:r>
+            <a:r>
+              <a:rPr lang="de-DE" dirty="0" smtClean="0">
+                <a:hlinkClick r:id="rId14" tooltip="Lempel-Ziv-Oberhumer"/>
+              </a:rPr>
+              <a:t>LZO</a:t>
+            </a:r>
+            <a:r>
+              <a:rPr lang="de-DE" dirty="0" smtClean="0"/>
+              <a:t>.</a:t>
+            </a:r>
+            <a:r>
+              <a:rPr lang="de-DE" baseline="30000" dirty="0" smtClean="0">
+                <a:hlinkClick r:id="rId15"/>
+              </a:rPr>
+              <a:t>[2]</a:t>
+            </a:r>
+            <a:r>
+              <a:rPr lang="de-DE" baseline="30000" dirty="0" smtClean="0">
+                <a:hlinkClick r:id="rId16"/>
+              </a:rPr>
+              <a:t>[3]</a:t>
+            </a:r>
+            <a:r>
+              <a:rPr lang="de-DE" baseline="30000" dirty="0" smtClean="0">
+                <a:hlinkClick r:id="rId17"/>
+              </a:rPr>
+              <a:t>[4]</a:t>
+            </a:r>
+            <a:r>
+              <a:rPr lang="de-DE" dirty="0" smtClean="0"/>
+              <a:t> </a:t>
+            </a:r>
+          </a:p>
+          <a:p>
+            <a:r>
+              <a:rPr lang="de-DE" dirty="0" err="1" smtClean="0"/>
+              <a:t>Snappy</a:t>
+            </a:r>
+            <a:r>
+              <a:rPr lang="de-DE" dirty="0" smtClean="0"/>
+              <a:t> wird von Google-eigenen Programmen </a:t>
+            </a:r>
+            <a:r>
+              <a:rPr lang="de-DE" dirty="0" err="1" smtClean="0">
+                <a:hlinkClick r:id="rId18" tooltip="MapReduce"/>
+              </a:rPr>
+              <a:t>MapReduce</a:t>
+            </a:r>
+            <a:r>
+              <a:rPr lang="de-DE" dirty="0" smtClean="0"/>
+              <a:t> und </a:t>
+            </a:r>
+            <a:r>
+              <a:rPr lang="de-DE" dirty="0" err="1" smtClean="0">
+                <a:hlinkClick r:id="rId19" tooltip="BigTable"/>
+              </a:rPr>
+              <a:t>BigTable</a:t>
+            </a:r>
+            <a:r>
+              <a:rPr lang="de-DE" dirty="0" smtClean="0"/>
+              <a:t> sowie den Apache-Projekten </a:t>
+            </a:r>
+            <a:r>
+              <a:rPr lang="de-DE" dirty="0" err="1" smtClean="0">
+                <a:hlinkClick r:id="rId20" tooltip="Hadoop"/>
+              </a:rPr>
+              <a:t>Hadoop</a:t>
+            </a:r>
+            <a:r>
+              <a:rPr lang="de-DE" dirty="0" smtClean="0"/>
+              <a:t> und </a:t>
+            </a:r>
+            <a:r>
+              <a:rPr lang="de-DE" dirty="0" err="1" smtClean="0">
+                <a:hlinkClick r:id="rId21" tooltip="Lucene"/>
+              </a:rPr>
+              <a:t>Lucene</a:t>
+            </a:r>
+            <a:r>
+              <a:rPr lang="de-DE" dirty="0" smtClean="0"/>
+              <a:t> genutzt. </a:t>
+            </a:r>
+          </a:p>
+          <a:p>
+            <a:endParaRPr lang="de-DE" dirty="0" smtClean="0"/>
+          </a:p>
+          <a:p>
+            <a:r>
+              <a:rPr lang="de-DE" dirty="0" err="1" smtClean="0"/>
+              <a:t>Deflate</a:t>
+            </a:r>
+            <a:r>
+              <a:rPr lang="de-DE" dirty="0" smtClean="0"/>
+              <a:t>:</a:t>
+            </a:r>
+          </a:p>
+          <a:p>
+            <a:r>
+              <a:rPr lang="de-DE" b="1" dirty="0" err="1" smtClean="0"/>
+              <a:t>Deflate</a:t>
+            </a:r>
+            <a:r>
+              <a:rPr lang="de-DE" dirty="0" smtClean="0"/>
+              <a:t> (</a:t>
+            </a:r>
+            <a:r>
+              <a:rPr lang="de-DE" dirty="0" smtClean="0">
+                <a:hlinkClick r:id="rId22" tooltip="Englische Sprache"/>
+              </a:rPr>
+              <a:t>englisch</a:t>
+            </a:r>
+            <a:r>
+              <a:rPr lang="de-DE" dirty="0" smtClean="0"/>
+              <a:t> für </a:t>
+            </a:r>
+            <a:r>
+              <a:rPr lang="de-DE" i="1" dirty="0" smtClean="0"/>
+              <a:t>die Luft herauslassen</a:t>
+            </a:r>
+            <a:r>
+              <a:rPr lang="de-DE" dirty="0" smtClean="0"/>
+              <a:t>) ist ein </a:t>
+            </a:r>
+            <a:r>
+              <a:rPr lang="de-DE" dirty="0" smtClean="0">
+                <a:hlinkClick r:id="rId23" tooltip="Algorithmus"/>
+              </a:rPr>
+              <a:t>Algorithmus</a:t>
+            </a:r>
+            <a:r>
+              <a:rPr lang="de-DE" dirty="0" smtClean="0"/>
+              <a:t> zur verlustlosen </a:t>
+            </a:r>
+            <a:r>
+              <a:rPr lang="de-DE" dirty="0" smtClean="0">
+                <a:hlinkClick r:id="rId5" tooltip="Datenkompression"/>
+              </a:rPr>
+              <a:t>Datenkompression</a:t>
+            </a:r>
+            <a:r>
+              <a:rPr lang="de-DE" dirty="0" smtClean="0"/>
+              <a:t>. Er wurde von </a:t>
+            </a:r>
+            <a:r>
+              <a:rPr lang="de-DE" dirty="0" smtClean="0">
+                <a:hlinkClick r:id="rId24" tooltip="Phil Katz"/>
+              </a:rPr>
+              <a:t>Phil Katz</a:t>
+            </a:r>
+            <a:r>
+              <a:rPr lang="de-DE" dirty="0" smtClean="0"/>
+              <a:t> für das </a:t>
+            </a:r>
+            <a:r>
+              <a:rPr lang="de-DE" dirty="0" smtClean="0">
+                <a:hlinkClick r:id="rId25" tooltip="ZIP (Dateiformat)"/>
+              </a:rPr>
+              <a:t>ZIP</a:t>
+            </a:r>
+            <a:r>
+              <a:rPr lang="de-DE" dirty="0" smtClean="0"/>
+              <a:t>-Archivformat entwickelt und später der </a:t>
+            </a:r>
+            <a:r>
+              <a:rPr lang="de-DE" dirty="0" smtClean="0">
+                <a:hlinkClick r:id="rId26" tooltip="Gemeinfreiheit"/>
+              </a:rPr>
+              <a:t>Gemeinfreiheit</a:t>
+            </a:r>
+            <a:r>
+              <a:rPr lang="de-DE" dirty="0" smtClean="0"/>
+              <a:t> zugeführt. </a:t>
+            </a:r>
             <a:endParaRPr lang="de-DE" dirty="0"/>
           </a:p>
         </p:txBody>
@@ -9741,7 +10423,7 @@
             <a:fld id="{AB9EDB5D-BD4B-C740-8F6C-B28044BEA9E4}" type="slidenum">
               <a:rPr lang="de-DE" smtClean="0"/>
               <a:pPr/>
-              <a:t>19</a:t>
+              <a:t>18</a:t>
             </a:fld>
             <a:endParaRPr lang="de-DE"/>
           </a:p>
@@ -9750,7 +10432,7 @@
     </p:spTree>
     <p:extLst>
       <p:ext uri="{BB962C8B-B14F-4D97-AF65-F5344CB8AC3E}">
-        <p14:creationId xmlns:p14="http://schemas.microsoft.com/office/powerpoint/2010/main" val="1459631242"/>
+        <p14:creationId xmlns:p14="http://schemas.microsoft.com/office/powerpoint/2010/main" val="1631857999"/>
       </p:ext>
     </p:extLst>
   </p:cSld>
@@ -9805,99 +10487,38 @@
           <a:lstStyle/>
           <a:p>
             <a:r>
-              <a:rPr lang="de-DE" dirty="0"/>
-              <a:t>Dictionary</a:t>
-            </a:r>
-            <a:r>
-              <a:rPr lang="de-DE" baseline="0" dirty="0"/>
-              <a:t> ist eine Komprimierung vom typ light-</a:t>
-            </a:r>
-            <a:r>
-              <a:rPr lang="de-DE" baseline="0" dirty="0" err="1"/>
-              <a:t>weight</a:t>
-            </a:r>
-            <a:r>
-              <a:rPr lang="de-DE" baseline="0" dirty="0"/>
-              <a:t> </a:t>
-            </a:r>
-            <a:r>
-              <a:rPr lang="de-DE" baseline="0" dirty="0" err="1"/>
-              <a:t>komprimierung</a:t>
-            </a:r>
-            <a:r>
-              <a:rPr lang="de-DE" baseline="0" dirty="0"/>
-              <a:t>. </a:t>
-            </a:r>
-          </a:p>
-          <a:p>
-            <a:r>
-              <a:rPr lang="de-DE" baseline="0" dirty="0"/>
-              <a:t>Light </a:t>
-            </a:r>
-            <a:r>
-              <a:rPr lang="de-DE" baseline="0" dirty="0" err="1"/>
-              <a:t>weight</a:t>
-            </a:r>
-            <a:r>
-              <a:rPr lang="de-DE" baseline="0" dirty="0"/>
-              <a:t> bedeutet, dass die daten zwar komprimiert werden, aber noch so dass damit gearbeitet werden kann ohne sie wieder zu dekomprimieren (durch Indexe). </a:t>
-            </a:r>
-          </a:p>
-          <a:p>
-            <a:r>
-              <a:rPr lang="de-DE" baseline="0" dirty="0"/>
-              <a:t>Funktionsweise: Werte mit großer Länge, Speicherbedarf wie Texte werden als Integer Wert gespeichert </a:t>
-            </a:r>
-          </a:p>
-          <a:p>
-            <a:pPr marL="171450" indent="-171450">
-              <a:buFontTx/>
-              <a:buChar char="-"/>
-            </a:pPr>
-            <a:r>
-              <a:rPr lang="de-DE" baseline="0" dirty="0"/>
-              <a:t>Jedem String ein Integer zugeordnet</a:t>
-            </a:r>
-          </a:p>
-          <a:p>
-            <a:pPr marL="171450" indent="-171450">
-              <a:buFontTx/>
-              <a:buChar char="-"/>
-            </a:pPr>
-            <a:r>
-              <a:rPr lang="de-DE" baseline="0" dirty="0"/>
-              <a:t>Integer statt Strings in Attribut Vector gespeichert</a:t>
-            </a:r>
-          </a:p>
-          <a:p>
-            <a:pPr marL="171450" indent="-171450">
-              <a:buFontTx/>
-              <a:buChar char="-"/>
-            </a:pPr>
-            <a:r>
-              <a:rPr lang="de-DE" baseline="0" dirty="0"/>
-              <a:t>Prozessor auf Integer Werte ausgelegt, kann diese schneller verarbeiten</a:t>
-            </a:r>
-          </a:p>
-          <a:p>
-            <a:pPr marL="171450" indent="-171450">
-              <a:buFontTx/>
-              <a:buChar char="-"/>
-            </a:pPr>
-            <a:r>
-              <a:rPr lang="de-DE" baseline="0" dirty="0"/>
-              <a:t>Weiterer Vorteil durch Sortierung (Binärsuche möglich) aber schlecht bei Anfügen von neuen Werten da immer wieder neu sortiert werden muss</a:t>
-            </a:r>
-          </a:p>
-          <a:p>
-            <a:pPr marL="171450" indent="-171450">
-              <a:buFontTx/>
-              <a:buChar char="-"/>
-            </a:pPr>
-            <a:r>
-              <a:rPr lang="de-DE" baseline="0" dirty="0"/>
-              <a:t> </a:t>
-            </a:r>
+              <a:rPr lang="de-DE" dirty="0" smtClean="0"/>
+              <a:t>https://www.datastax.com/2015/12/storage-engine-30</a:t>
+            </a:r>
+          </a:p>
+          <a:p>
+            <a:r>
+              <a:rPr lang="de-DE" dirty="0" smtClean="0"/>
+              <a:t>Quelle https://www.bigdata-insider.de/</a:t>
+            </a:r>
+          </a:p>
+          <a:p>
+            <a:r>
+              <a:rPr lang="de-DE" dirty="0" smtClean="0"/>
+              <a:t>grundlagen-der-</a:t>
+            </a:r>
+            <a:r>
+              <a:rPr lang="de-DE" dirty="0" err="1" smtClean="0"/>
+              <a:t>nosql</a:t>
+            </a:r>
+            <a:r>
+              <a:rPr lang="de-DE" dirty="0" smtClean="0"/>
+              <a:t>-</a:t>
+            </a:r>
+          </a:p>
+          <a:p>
+            <a:r>
+              <a:rPr lang="de-DE" dirty="0" smtClean="0"/>
+              <a:t>datenbank-apache-cassandra-a-512231/ </a:t>
+            </a:r>
+          </a:p>
+          <a:p>
+            <a:endParaRPr lang="de-DE" dirty="0"/>
           </a:p>
         </p:txBody>
       </p:sp>
@@ -9919,7 +10540,7 @@
             <a:fld id="{AB9EDB5D-BD4B-C740-8F6C-B28044BEA9E4}" type="slidenum">
               <a:rPr lang="de-DE" smtClean="0"/>
               <a:pPr/>
-              <a:t>21</a:t>
+              <a:t>19</a:t>
             </a:fld>
             <a:endParaRPr lang="de-DE"/>
           </a:p>
@@ -9928,7 +10549,7 @@
     </p:spTree>
     <p:extLst>
       <p:ext uri="{BB962C8B-B14F-4D97-AF65-F5344CB8AC3E}">
-        <p14:creationId xmlns:p14="http://schemas.microsoft.com/office/powerpoint/2010/main" val="2389281588"/>
+        <p14:creationId xmlns:p14="http://schemas.microsoft.com/office/powerpoint/2010/main" val="1459631242"/>
       </p:ext>
     </p:extLst>
   </p:cSld>
@@ -9984,15 +10605,97 @@
           <a:p>
             <a:r>
               <a:rPr lang="de-DE" dirty="0"/>
-              <a:t>Data und Log </a:t>
-            </a:r>
-            <a:r>
-              <a:rPr lang="de-DE" dirty="0" err="1"/>
-              <a:t>Volumes</a:t>
-            </a:r>
-            <a:r>
-              <a:rPr lang="de-DE" dirty="0"/>
-              <a:t> enthalten alle Änderungen der Daten</a:t>
+              <a:t>Dictionary</a:t>
+            </a:r>
+            <a:r>
+              <a:rPr lang="de-DE" baseline="0" dirty="0"/>
+              <a:t> ist eine Komprimierung vom typ light-</a:t>
+            </a:r>
+            <a:r>
+              <a:rPr lang="de-DE" baseline="0" dirty="0" err="1"/>
+              <a:t>weight</a:t>
+            </a:r>
+            <a:r>
+              <a:rPr lang="de-DE" baseline="0" dirty="0"/>
+              <a:t> </a:t>
+            </a:r>
+            <a:r>
+              <a:rPr lang="de-DE" baseline="0" dirty="0" err="1"/>
+              <a:t>komprimierung</a:t>
+            </a:r>
+            <a:r>
+              <a:rPr lang="de-DE" baseline="0" dirty="0"/>
+              <a:t>. </a:t>
+            </a:r>
+          </a:p>
+          <a:p>
+            <a:r>
+              <a:rPr lang="de-DE" baseline="0" dirty="0"/>
+              <a:t>Light </a:t>
+            </a:r>
+            <a:r>
+              <a:rPr lang="de-DE" baseline="0" dirty="0" err="1"/>
+              <a:t>weight</a:t>
+            </a:r>
+            <a:r>
+              <a:rPr lang="de-DE" baseline="0" dirty="0"/>
+              <a:t> bedeutet, dass die daten zwar komprimiert werden, aber noch so dass damit gearbeitet werden kann ohne sie wieder zu dekomprimieren (durch Indexe). </a:t>
+            </a:r>
+          </a:p>
+          <a:p>
+            <a:r>
+              <a:rPr lang="de-DE" baseline="0" dirty="0"/>
+              <a:t>Funktionsweise: Werte mit großer Länge, Speicherbedarf wie Texte werden als Integer Wert gespeichert </a:t>
+            </a:r>
+          </a:p>
+          <a:p>
+            <a:pPr marL="171450" indent="-171450">
+              <a:buFontTx/>
+              <a:buChar char="-"/>
+            </a:pPr>
+            <a:r>
+              <a:rPr lang="de-DE" baseline="0" dirty="0"/>
+              <a:t>Jedem String ein Integer zugeordnet</a:t>
+            </a:r>
+          </a:p>
+          <a:p>
+            <a:pPr marL="171450" indent="-171450">
+              <a:buFontTx/>
+              <a:buChar char="-"/>
+            </a:pPr>
+            <a:r>
+              <a:rPr lang="de-DE" baseline="0" dirty="0"/>
+              <a:t>Integer statt Strings in Attribut Vector gespeichert</a:t>
+            </a:r>
+          </a:p>
+          <a:p>
+            <a:pPr marL="171450" indent="-171450">
+              <a:buFontTx/>
+              <a:buChar char="-"/>
+            </a:pPr>
+            <a:r>
+              <a:rPr lang="de-DE" baseline="0" dirty="0"/>
+              <a:t>Prozessor auf Integer Werte ausgelegt, kann diese schneller verarbeiten</a:t>
+            </a:r>
+          </a:p>
+          <a:p>
+            <a:pPr marL="171450" indent="-171450">
+              <a:buFontTx/>
+              <a:buChar char="-"/>
+            </a:pPr>
+            <a:r>
+              <a:rPr lang="de-DE" baseline="0" dirty="0"/>
+              <a:t>Weiterer Vorteil durch Sortierung (Binärsuche möglich) aber schlecht bei Anfügen von neuen Werten da immer wieder neu sortiert werden muss</a:t>
+            </a:r>
+          </a:p>
+          <a:p>
+            <a:pPr marL="171450" indent="-171450">
+              <a:buFontTx/>
+              <a:buChar char="-"/>
+            </a:pPr>
+            <a:r>
+              <a:rPr lang="de-DE" baseline="0" dirty="0"/>
+              <a:t> </a:t>
             </a:r>
           </a:p>
         </p:txBody>
@@ -10015,7 +10718,7 @@
             <a:fld id="{AB9EDB5D-BD4B-C740-8F6C-B28044BEA9E4}" type="slidenum">
               <a:rPr lang="de-DE" smtClean="0"/>
               <a:pPr/>
-              <a:t>22</a:t>
+              <a:t>21</a:t>
             </a:fld>
             <a:endParaRPr lang="de-DE"/>
           </a:p>
@@ -10024,7 +10727,7 @@
     </p:spTree>
     <p:extLst>
       <p:ext uri="{BB962C8B-B14F-4D97-AF65-F5344CB8AC3E}">
-        <p14:creationId xmlns:p14="http://schemas.microsoft.com/office/powerpoint/2010/main" val="3421408284"/>
+        <p14:creationId xmlns:p14="http://schemas.microsoft.com/office/powerpoint/2010/main" val="2389281588"/>
       </p:ext>
     </p:extLst>
   </p:cSld>
@@ -10079,24 +10782,17 @@
           <a:lstStyle/>
           <a:p>
             <a:r>
-              <a:rPr lang="de-DE" sz="1200" b="0" i="0" u="none" strike="noStrike" kern="1200" dirty="0" smtClean="0">
-                <a:solidFill>
-                  <a:schemeClr val="tx1"/>
-                </a:solidFill>
-                <a:effectLst/>
-                <a:latin typeface="Arial" charset="0"/>
-                <a:ea typeface="+mn-ea"/>
-                <a:cs typeface="+mn-cs"/>
-              </a:rPr>
-              <a:t>1* Maria DB , 9*MEMC</a:t>
-            </a:r>
-            <a:r>
-              <a:rPr lang="de-DE" dirty="0" smtClean="0"/>
-              <a:t> </a:t>
-            </a:r>
-          </a:p>
-          <a:p>
-            <a:endParaRPr lang="de-DE" dirty="0"/>
+              <a:rPr lang="de-DE" dirty="0"/>
+              <a:t>Data und Log </a:t>
+            </a:r>
+            <a:r>
+              <a:rPr lang="de-DE" dirty="0" err="1"/>
+              <a:t>Volumes</a:t>
+            </a:r>
+            <a:r>
+              <a:rPr lang="de-DE" dirty="0"/>
+              <a:t> enthalten alle Änderungen der Daten</a:t>
+            </a:r>
           </a:p>
         </p:txBody>
       </p:sp>
@@ -10118,7 +10814,7 @@
             <a:fld id="{AB9EDB5D-BD4B-C740-8F6C-B28044BEA9E4}" type="slidenum">
               <a:rPr lang="de-DE" smtClean="0"/>
               <a:pPr/>
-              <a:t>23</a:t>
+              <a:t>22</a:t>
             </a:fld>
             <a:endParaRPr lang="de-DE"/>
           </a:p>
@@ -10127,7 +10823,7 @@
     </p:spTree>
     <p:extLst>
       <p:ext uri="{BB962C8B-B14F-4D97-AF65-F5344CB8AC3E}">
-        <p14:creationId xmlns:p14="http://schemas.microsoft.com/office/powerpoint/2010/main" val="3272735643"/>
+        <p14:creationId xmlns:p14="http://schemas.microsoft.com/office/powerpoint/2010/main" val="3421408284"/>
       </p:ext>
     </p:extLst>
   </p:cSld>
@@ -10182,9 +10878,23 @@
           <a:lstStyle/>
           <a:p>
             <a:r>
+              <a:rPr lang="de-DE" sz="1200" b="0" i="0" u="none" strike="noStrike" kern="1200" dirty="0" smtClean="0">
+                <a:solidFill>
+                  <a:schemeClr val="tx1"/>
+                </a:solidFill>
+                <a:effectLst/>
+                <a:latin typeface="Arial" charset="0"/>
+                <a:ea typeface="+mn-ea"/>
+                <a:cs typeface="+mn-cs"/>
+              </a:rPr>
+              <a:t>1* Maria DB , 9*MEMC</a:t>
+            </a:r>
+            <a:r>
               <a:rPr lang="de-DE" dirty="0" smtClean="0"/>
-              <a:t>Query umgangssprachlich </a:t>
-            </a:r>
+              <a:t> </a:t>
+            </a:r>
+          </a:p>
+          <a:p>
             <a:endParaRPr lang="de-DE" dirty="0"/>
           </a:p>
         </p:txBody>
@@ -10207,7 +10917,7 @@
             <a:fld id="{AB9EDB5D-BD4B-C740-8F6C-B28044BEA9E4}" type="slidenum">
               <a:rPr lang="de-DE" smtClean="0"/>
               <a:pPr/>
-              <a:t>24</a:t>
+              <a:t>23</a:t>
             </a:fld>
             <a:endParaRPr lang="de-DE"/>
           </a:p>
@@ -10216,7 +10926,7 @@
     </p:spTree>
     <p:extLst>
       <p:ext uri="{BB962C8B-B14F-4D97-AF65-F5344CB8AC3E}">
-        <p14:creationId xmlns:p14="http://schemas.microsoft.com/office/powerpoint/2010/main" val="466413308"/>
+        <p14:creationId xmlns:p14="http://schemas.microsoft.com/office/powerpoint/2010/main" val="3272735643"/>
       </p:ext>
     </p:extLst>
   </p:cSld>
@@ -10272,15 +10982,7 @@
           <a:p>
             <a:r>
               <a:rPr lang="de-DE" dirty="0" smtClean="0"/>
-              <a:t>MSSQL -&gt; Allrounder -&gt; Führt alle </a:t>
-            </a:r>
-            <a:r>
-              <a:rPr lang="de-DE" dirty="0" err="1" smtClean="0"/>
-              <a:t>querys</a:t>
-            </a:r>
-            <a:r>
-              <a:rPr lang="de-DE" dirty="0" smtClean="0"/>
-              <a:t> durch</a:t>
+              <a:t>Query umgangssprachlich </a:t>
             </a:r>
             <a:endParaRPr lang="de-DE" dirty="0"/>
           </a:p>
@@ -10304,7 +11006,7 @@
             <a:fld id="{AB9EDB5D-BD4B-C740-8F6C-B28044BEA9E4}" type="slidenum">
               <a:rPr lang="de-DE" smtClean="0"/>
               <a:pPr/>
-              <a:t>26</a:t>
+              <a:t>24</a:t>
             </a:fld>
             <a:endParaRPr lang="de-DE"/>
           </a:p>
@@ -10313,7 +11015,7 @@
     </p:spTree>
     <p:extLst>
       <p:ext uri="{BB962C8B-B14F-4D97-AF65-F5344CB8AC3E}">
-        <p14:creationId xmlns:p14="http://schemas.microsoft.com/office/powerpoint/2010/main" val="1379192559"/>
+        <p14:creationId xmlns:p14="http://schemas.microsoft.com/office/powerpoint/2010/main" val="466413308"/>
       </p:ext>
     </p:extLst>
   </p:cSld>
@@ -10452,6 +11154,18 @@
           <a:bodyPr/>
           <a:lstStyle/>
           <a:p>
+            <a:r>
+              <a:rPr lang="de-DE" dirty="0" smtClean="0"/>
+              <a:t>MSSQL -&gt; Allrounder -&gt; Führt alle </a:t>
+            </a:r>
+            <a:r>
+              <a:rPr lang="de-DE" dirty="0" err="1" smtClean="0"/>
+              <a:t>querys</a:t>
+            </a:r>
+            <a:r>
+              <a:rPr lang="de-DE" dirty="0" smtClean="0"/>
+              <a:t> durch</a:t>
+            </a:r>
             <a:endParaRPr lang="de-DE" dirty="0"/>
           </a:p>
         </p:txBody>
@@ -10474,6 +11188,91 @@
             <a:fld id="{AB9EDB5D-BD4B-C740-8F6C-B28044BEA9E4}" type="slidenum">
               <a:rPr lang="de-DE" smtClean="0"/>
               <a:pPr/>
+              <a:t>26</a:t>
+            </a:fld>
+            <a:endParaRPr lang="de-DE"/>
+          </a:p>
+        </p:txBody>
+      </p:sp>
+    </p:spTree>
+    <p:extLst>
+      <p:ext uri="{BB962C8B-B14F-4D97-AF65-F5344CB8AC3E}">
+        <p14:creationId xmlns:p14="http://schemas.microsoft.com/office/powerpoint/2010/main" val="1379192559"/>
+      </p:ext>
+    </p:extLst>
+  </p:cSld>
+  <p:clrMapOvr>
+    <a:masterClrMapping/>
+  </p:clrMapOvr>
+</p:notes>
+</file>
+
+<file path=ppt/notesSlides/notesSlide21.xml><?xml version="1.0" encoding="utf-8"?>
+<p:notes xmlns:a="http://schemas.openxmlformats.org/drawingml/2006/main" xmlns:r="http://schemas.openxmlformats.org/officeDocument/2006/relationships" xmlns:p="http://schemas.openxmlformats.org/presentationml/2006/main">
+  <p:cSld>
+    <p:spTree>
+      <p:nvGrpSpPr>
+        <p:cNvPr id="1" name=""/>
+        <p:cNvGrpSpPr/>
+        <p:nvPr/>
+      </p:nvGrpSpPr>
+      <p:grpSpPr>
+        <a:xfrm>
+          <a:off x="0" y="0"/>
+          <a:ext cx="0" cy="0"/>
+          <a:chOff x="0" y="0"/>
+          <a:chExt cx="0" cy="0"/>
+        </a:xfrm>
+      </p:grpSpPr>
+      <p:sp>
+        <p:nvSpPr>
+          <p:cNvPr id="2" name="Folienbildplatzhalter 1"/>
+          <p:cNvSpPr>
+            <a:spLocks noGrp="1" noRot="1" noChangeAspect="1"/>
+          </p:cNvSpPr>
+          <p:nvPr>
+            <p:ph type="sldImg"/>
+          </p:nvPr>
+        </p:nvSpPr>
+        <p:spPr/>
+      </p:sp>
+      <p:sp>
+        <p:nvSpPr>
+          <p:cNvPr id="3" name="Notizenplatzhalter 2"/>
+          <p:cNvSpPr>
+            <a:spLocks noGrp="1"/>
+          </p:cNvSpPr>
+          <p:nvPr>
+            <p:ph type="body" idx="1"/>
+          </p:nvPr>
+        </p:nvSpPr>
+        <p:spPr/>
+        <p:txBody>
+          <a:bodyPr/>
+          <a:lstStyle/>
+          <a:p>
+            <a:endParaRPr lang="de-DE" dirty="0"/>
+          </a:p>
+        </p:txBody>
+      </p:sp>
+      <p:sp>
+        <p:nvSpPr>
+          <p:cNvPr id="4" name="Foliennummernplatzhalter 3"/>
+          <p:cNvSpPr>
+            <a:spLocks noGrp="1"/>
+          </p:cNvSpPr>
+          <p:nvPr>
+            <p:ph type="sldNum" sz="quarter" idx="10"/>
+          </p:nvPr>
+        </p:nvSpPr>
+        <p:spPr/>
+        <p:txBody>
+          <a:bodyPr/>
+          <a:lstStyle/>
+          <a:p>
+            <a:fld id="{AB9EDB5D-BD4B-C740-8F6C-B28044BEA9E4}" type="slidenum">
+              <a:rPr lang="de-DE" smtClean="0"/>
+              <a:pPr/>
               <a:t>28</a:t>
             </a:fld>
             <a:endParaRPr lang="de-DE"/>
@@ -10493,7 +11292,7 @@
 </p:notes>
 </file>
 
-<file path=ppt/notesSlides/notesSlide21.xml><?xml version="1.0" encoding="utf-8"?>
+<file path=ppt/notesSlides/notesSlide22.xml><?xml version="1.0" encoding="utf-8"?>
 <p:notes xmlns:a="http://schemas.openxmlformats.org/drawingml/2006/main" xmlns:r="http://schemas.openxmlformats.org/officeDocument/2006/relationships" xmlns:p="http://schemas.openxmlformats.org/presentationml/2006/main">
   <p:cSld>
     <p:spTree>
@@ -12907,7 +13706,7 @@
           <p:cNvPr id="3" name="Textfeld 2">
             <a:extLst>
               <a:ext uri="{FF2B5EF4-FFF2-40B4-BE49-F238E27FC236}">
-                <a16:creationId xmlns="" xmlns:a16="http://schemas.microsoft.com/office/drawing/2014/main" id="{55A35DED-7D1A-4C8F-934D-D5CD3FC3279C}"/>
+                <a16:creationId xmlns:a16="http://schemas.microsoft.com/office/drawing/2014/main" xmlns="" id="{55A35DED-7D1A-4C8F-934D-D5CD3FC3279C}"/>
               </a:ext>
             </a:extLst>
           </p:cNvPr>
@@ -14757,15 +15556,7 @@
             </a:r>
             <a:r>
               <a:rPr lang="de-DE" dirty="0"/>
-              <a:t>HANA </a:t>
-            </a:r>
-            <a:r>
-              <a:rPr lang="de-DE" dirty="0"/>
-              <a:t> Express - </a:t>
-            </a:r>
-            <a:r>
-              <a:rPr lang="de-DE" dirty="0"/>
-              <a:t>Komprimierung</a:t>
+              <a:t>HANA  Express - Komprimierung</a:t>
             </a:r>
           </a:p>
         </p:txBody>
@@ -14998,23 +15789,11 @@
           <a:p>
             <a:r>
               <a:rPr lang="de-DE" dirty="0" smtClean="0"/>
-              <a:t>5. SAP </a:t>
-            </a:r>
-            <a:r>
-              <a:rPr lang="de-DE" dirty="0" smtClean="0"/>
-              <a:t>HANA</a:t>
-            </a:r>
-            <a:r>
-              <a:rPr lang="de-DE" dirty="0" smtClean="0"/>
-              <a:t> </a:t>
+              <a:t>5. SAP HANA </a:t>
             </a:r>
             <a:r>
               <a:rPr lang="de-DE" dirty="0"/>
-              <a:t>- </a:t>
-            </a:r>
-            <a:r>
-              <a:rPr lang="de-DE" dirty="0"/>
-              <a:t>Komprimierung</a:t>
+              <a:t>- Komprimierung</a:t>
             </a:r>
           </a:p>
         </p:txBody>
@@ -15415,15 +16194,7 @@
             </a:r>
             <a:r>
               <a:rPr lang="de-DE" dirty="0"/>
-              <a:t>HANA </a:t>
-            </a:r>
-            <a:r>
-              <a:rPr lang="de-DE" dirty="0"/>
-              <a:t> Express - </a:t>
-            </a:r>
-            <a:r>
-              <a:rPr lang="de-DE" dirty="0"/>
-              <a:t>Hochverfügbarkeit</a:t>
+              <a:t>HANA  Express - Hochverfügbarkeit</a:t>
             </a:r>
           </a:p>
         </p:txBody>
@@ -15753,6 +16524,61 @@
           </a:prstGeom>
         </p:spPr>
       </p:pic>
+      <p:sp>
+        <p:nvSpPr>
+          <p:cNvPr id="6" name="Textfeld 5"/>
+          <p:cNvSpPr txBox="1"/>
+          <p:nvPr/>
+        </p:nvSpPr>
+        <p:spPr>
+          <a:xfrm>
+            <a:off x="432000" y="6309320"/>
+            <a:ext cx="713657" cy="215444"/>
+          </a:xfrm>
+          <a:prstGeom prst="rect">
+            <a:avLst/>
+          </a:prstGeom>
+          <a:noFill/>
+        </p:spPr>
+        <p:txBody>
+          <a:bodyPr wrap="none" rtlCol="0">
+            <a:spAutoFit/>
+          </a:bodyPr>
+          <a:lstStyle/>
+          <a:p>
+            <a:r>
+              <a:rPr lang="de-DE" sz="800" dirty="0">
+                <a:solidFill>
+                  <a:schemeClr val="tx1">
+                    <a:lumMod val="50000"/>
+                    <a:lumOff val="50000"/>
+                  </a:schemeClr>
+                </a:solidFill>
+              </a:rPr>
+              <a:t>Quellen: </a:t>
+            </a:r>
+            <a:r>
+              <a:rPr lang="de-DE" sz="800" dirty="0" smtClean="0">
+                <a:solidFill>
+                  <a:schemeClr val="tx1">
+                    <a:lumMod val="50000"/>
+                    <a:lumOff val="50000"/>
+                  </a:schemeClr>
+                </a:solidFill>
+              </a:rPr>
+              <a:t>24</a:t>
+            </a:r>
+            <a:endParaRPr lang="de-DE" sz="800" dirty="0">
+              <a:solidFill>
+                <a:schemeClr val="tx1">
+                  <a:lumMod val="50000"/>
+                  <a:lumOff val="50000"/>
+                </a:schemeClr>
+              </a:solidFill>
+            </a:endParaRPr>
+          </a:p>
+        </p:txBody>
+      </p:sp>
     </p:spTree>
     <p:extLst>
       <p:ext uri="{BB962C8B-B14F-4D97-AF65-F5344CB8AC3E}">
@@ -15839,85 +16665,85 @@
           <a:lstStyle/>
           <a:p>
             <a:endParaRPr lang="de-DE" dirty="0" smtClean="0">
-              <a:hlinkClick r:id="rId2"/>
+              <a:hlinkClick r:id="rId3"/>
             </a:endParaRPr>
           </a:p>
           <a:p>
             <a:endParaRPr lang="de-DE" dirty="0">
-              <a:hlinkClick r:id="rId2"/>
+              <a:hlinkClick r:id="rId3"/>
             </a:endParaRPr>
           </a:p>
           <a:p>
             <a:endParaRPr lang="de-DE" dirty="0" smtClean="0">
-              <a:hlinkClick r:id="rId2"/>
+              <a:hlinkClick r:id="rId3"/>
             </a:endParaRPr>
           </a:p>
           <a:p>
             <a:endParaRPr lang="de-DE" dirty="0">
-              <a:hlinkClick r:id="rId2"/>
+              <a:hlinkClick r:id="rId3"/>
             </a:endParaRPr>
           </a:p>
           <a:p>
             <a:endParaRPr lang="de-DE" dirty="0" smtClean="0">
-              <a:hlinkClick r:id="rId2"/>
+              <a:hlinkClick r:id="rId3"/>
             </a:endParaRPr>
           </a:p>
           <a:p>
             <a:endParaRPr lang="de-DE" dirty="0">
-              <a:hlinkClick r:id="rId2"/>
+              <a:hlinkClick r:id="rId3"/>
             </a:endParaRPr>
           </a:p>
           <a:p>
             <a:endParaRPr lang="de-DE" dirty="0" smtClean="0">
-              <a:hlinkClick r:id="rId2"/>
+              <a:hlinkClick r:id="rId3"/>
             </a:endParaRPr>
           </a:p>
           <a:p>
             <a:endParaRPr lang="de-DE" dirty="0">
-              <a:hlinkClick r:id="rId2"/>
+              <a:hlinkClick r:id="rId3"/>
             </a:endParaRPr>
           </a:p>
           <a:p>
             <a:endParaRPr lang="de-DE" dirty="0" smtClean="0">
-              <a:hlinkClick r:id="rId2"/>
+              <a:hlinkClick r:id="rId3"/>
             </a:endParaRPr>
           </a:p>
           <a:p>
             <a:endParaRPr lang="de-DE" dirty="0">
-              <a:hlinkClick r:id="rId2"/>
+              <a:hlinkClick r:id="rId3"/>
             </a:endParaRPr>
           </a:p>
           <a:p>
             <a:endParaRPr lang="de-DE" dirty="0" smtClean="0">
-              <a:hlinkClick r:id="rId2"/>
+              <a:hlinkClick r:id="rId3"/>
             </a:endParaRPr>
           </a:p>
           <a:p>
             <a:endParaRPr lang="de-DE" dirty="0">
-              <a:hlinkClick r:id="rId2"/>
+              <a:hlinkClick r:id="rId3"/>
             </a:endParaRPr>
           </a:p>
           <a:p>
             <a:endParaRPr lang="de-DE" sz="2000" dirty="0" smtClean="0">
-              <a:hlinkClick r:id="rId2"/>
+              <a:hlinkClick r:id="rId3"/>
             </a:endParaRPr>
           </a:p>
           <a:p>
             <a:r>
               <a:rPr lang="de-DE" sz="2000" dirty="0" smtClean="0">
-                <a:hlinkClick r:id="rId2"/>
+                <a:hlinkClick r:id="rId3"/>
               </a:rPr>
               <a:t>http</a:t>
             </a:r>
             <a:r>
               <a:rPr lang="de-DE" sz="2000" dirty="0">
-                <a:hlinkClick r:id="rId2"/>
+                <a:hlinkClick r:id="rId3"/>
               </a:rPr>
               <a:t>://cassandra.apache.org/download</a:t>
             </a:r>
             <a:r>
               <a:rPr lang="de-DE" sz="2000" dirty="0" smtClean="0">
-                <a:hlinkClick r:id="rId2"/>
+                <a:hlinkClick r:id="rId3"/>
               </a:rPr>
               <a:t>/</a:t>
             </a:r>
@@ -15940,7 +16766,7 @@
           <p:nvPr/>
         </p:nvPicPr>
         <p:blipFill>
-          <a:blip r:embed="rId3">
+          <a:blip r:embed="rId4">
             <a:extLst>
               <a:ext uri="{28A0092B-C50C-407E-A947-70E740481C1C}">
                 <a14:useLocalDpi xmlns:a14="http://schemas.microsoft.com/office/drawing/2010/main" val="0"/>
@@ -15970,7 +16796,7 @@
           <p:nvPr/>
         </p:nvPicPr>
         <p:blipFill>
-          <a:blip r:embed="rId4">
+          <a:blip r:embed="rId5">
             <a:extLst>
               <a:ext uri="{28A0092B-C50C-407E-A947-70E740481C1C}">
                 <a14:useLocalDpi xmlns:a14="http://schemas.microsoft.com/office/drawing/2010/main" val="0"/>
@@ -16000,7 +16826,7 @@
           <p:nvPr/>
         </p:nvPicPr>
         <p:blipFill>
-          <a:blip r:embed="rId5">
+          <a:blip r:embed="rId6">
             <a:extLst>
               <a:ext uri="{28A0092B-C50C-407E-A947-70E740481C1C}">
                 <a14:useLocalDpi xmlns:a14="http://schemas.microsoft.com/office/drawing/2010/main" val="0"/>
@@ -16030,7 +16856,7 @@
           <p:nvPr/>
         </p:nvPicPr>
         <p:blipFill>
-          <a:blip r:embed="rId6">
+          <a:blip r:embed="rId7">
             <a:extLst>
               <a:ext uri="{28A0092B-C50C-407E-A947-70E740481C1C}">
                 <a14:useLocalDpi xmlns:a14="http://schemas.microsoft.com/office/drawing/2010/main" val="0"/>
@@ -16060,7 +16886,7 @@
           <p:nvPr/>
         </p:nvPicPr>
         <p:blipFill>
-          <a:blip r:embed="rId7">
+          <a:blip r:embed="rId8">
             <a:extLst>
               <a:ext uri="{28A0092B-C50C-407E-A947-70E740481C1C}">
                 <a14:useLocalDpi xmlns:a14="http://schemas.microsoft.com/office/drawing/2010/main" val="0"/>
@@ -16090,7 +16916,7 @@
           <p:nvPr/>
         </p:nvPicPr>
         <p:blipFill>
-          <a:blip r:embed="rId8"/>
+          <a:blip r:embed="rId9"/>
           <a:stretch>
             <a:fillRect/>
           </a:stretch>
@@ -16105,6 +16931,61 @@
           </a:prstGeom>
         </p:spPr>
       </p:pic>
+      <p:sp>
+        <p:nvSpPr>
+          <p:cNvPr id="10" name="Textfeld 9"/>
+          <p:cNvSpPr txBox="1"/>
+          <p:nvPr/>
+        </p:nvSpPr>
+        <p:spPr>
+          <a:xfrm>
+            <a:off x="4880872" y="6366716"/>
+            <a:ext cx="742511" cy="215444"/>
+          </a:xfrm>
+          <a:prstGeom prst="rect">
+            <a:avLst/>
+          </a:prstGeom>
+          <a:noFill/>
+        </p:spPr>
+        <p:txBody>
+          <a:bodyPr wrap="none" rtlCol="0">
+            <a:spAutoFit/>
+          </a:bodyPr>
+          <a:lstStyle/>
+          <a:p>
+            <a:r>
+              <a:rPr lang="de-DE" sz="800" dirty="0">
+                <a:solidFill>
+                  <a:schemeClr val="tx1">
+                    <a:lumMod val="50000"/>
+                    <a:lumOff val="50000"/>
+                  </a:schemeClr>
+                </a:solidFill>
+              </a:rPr>
+              <a:t>Quellen: </a:t>
+            </a:r>
+            <a:r>
+              <a:rPr lang="de-DE" sz="800" dirty="0" smtClean="0">
+                <a:solidFill>
+                  <a:schemeClr val="tx1">
+                    <a:lumMod val="50000"/>
+                    <a:lumOff val="50000"/>
+                  </a:schemeClr>
+                </a:solidFill>
+              </a:rPr>
+              <a:t>23 </a:t>
+            </a:r>
+            <a:endParaRPr lang="de-DE" sz="800" dirty="0">
+              <a:solidFill>
+                <a:schemeClr val="tx1">
+                  <a:lumMod val="50000"/>
+                  <a:lumOff val="50000"/>
+                </a:schemeClr>
+              </a:solidFill>
+            </a:endParaRPr>
+          </a:p>
+        </p:txBody>
+      </p:sp>
     </p:spTree>
     <p:extLst>
       <p:ext uri="{BB962C8B-B14F-4D97-AF65-F5344CB8AC3E}">
@@ -16329,6 +17210,61 @@
           </a:prstGeom>
         </p:spPr>
       </p:pic>
+      <p:sp>
+        <p:nvSpPr>
+          <p:cNvPr id="9" name="Textfeld 8"/>
+          <p:cNvSpPr txBox="1"/>
+          <p:nvPr/>
+        </p:nvSpPr>
+        <p:spPr>
+          <a:xfrm>
+            <a:off x="432000" y="6309320"/>
+            <a:ext cx="713657" cy="215444"/>
+          </a:xfrm>
+          <a:prstGeom prst="rect">
+            <a:avLst/>
+          </a:prstGeom>
+          <a:noFill/>
+        </p:spPr>
+        <p:txBody>
+          <a:bodyPr wrap="none" rtlCol="0">
+            <a:spAutoFit/>
+          </a:bodyPr>
+          <a:lstStyle/>
+          <a:p>
+            <a:r>
+              <a:rPr lang="de-DE" sz="800" dirty="0">
+                <a:solidFill>
+                  <a:schemeClr val="tx1">
+                    <a:lumMod val="50000"/>
+                    <a:lumOff val="50000"/>
+                  </a:schemeClr>
+                </a:solidFill>
+              </a:rPr>
+              <a:t>Quellen: </a:t>
+            </a:r>
+            <a:r>
+              <a:rPr lang="de-DE" sz="800" dirty="0" smtClean="0">
+                <a:solidFill>
+                  <a:schemeClr val="tx1">
+                    <a:lumMod val="50000"/>
+                    <a:lumOff val="50000"/>
+                  </a:schemeClr>
+                </a:solidFill>
+              </a:rPr>
+              <a:t>24</a:t>
+            </a:r>
+            <a:endParaRPr lang="de-DE" sz="800" dirty="0">
+              <a:solidFill>
+                <a:schemeClr val="tx1">
+                  <a:lumMod val="50000"/>
+                  <a:lumOff val="50000"/>
+                </a:schemeClr>
+              </a:solidFill>
+            </a:endParaRPr>
+          </a:p>
+        </p:txBody>
+      </p:sp>
     </p:spTree>
     <p:extLst>
       <p:ext uri="{BB962C8B-B14F-4D97-AF65-F5344CB8AC3E}">
@@ -16402,7 +17338,7 @@
         <p:spPr>
           <a:xfrm>
             <a:off x="406440" y="1365736"/>
-            <a:ext cx="7920880" cy="5478423"/>
+            <a:ext cx="7920880" cy="5016758"/>
           </a:xfrm>
           <a:prstGeom prst="rect">
             <a:avLst/>
@@ -16519,17 +17455,6 @@
               <a:buChar char="•"/>
             </a:pPr>
             <a:endParaRPr lang="de-DE" sz="2000" dirty="0" smtClean="0"/>
-          </a:p>
-          <a:p>
-            <a:pPr>
-              <a:lnSpc>
-                <a:spcPct val="150000"/>
-              </a:lnSpc>
-            </a:pPr>
-            <a:r>
-              <a:rPr lang="de-DE" sz="2000" dirty="0" smtClean="0"/>
-              <a:t>Quellen: 5,6</a:t>
-            </a:r>
           </a:p>
           <a:p>
             <a:pPr marL="342900" indent="-342900">
@@ -16630,6 +17555,61 @@
           </a:prstGeom>
         </p:spPr>
       </p:pic>
+      <p:sp>
+        <p:nvSpPr>
+          <p:cNvPr id="10" name="Textfeld 9"/>
+          <p:cNvSpPr txBox="1"/>
+          <p:nvPr/>
+        </p:nvSpPr>
+        <p:spPr>
+          <a:xfrm>
+            <a:off x="432000" y="6309320"/>
+            <a:ext cx="915635" cy="215444"/>
+          </a:xfrm>
+          <a:prstGeom prst="rect">
+            <a:avLst/>
+          </a:prstGeom>
+          <a:noFill/>
+        </p:spPr>
+        <p:txBody>
+          <a:bodyPr wrap="none" rtlCol="0">
+            <a:spAutoFit/>
+          </a:bodyPr>
+          <a:lstStyle/>
+          <a:p>
+            <a:r>
+              <a:rPr lang="de-DE" sz="800" dirty="0">
+                <a:solidFill>
+                  <a:schemeClr val="tx1">
+                    <a:lumMod val="50000"/>
+                    <a:lumOff val="50000"/>
+                  </a:schemeClr>
+                </a:solidFill>
+              </a:rPr>
+              <a:t>Quellen: </a:t>
+            </a:r>
+            <a:r>
+              <a:rPr lang="de-DE" sz="800" dirty="0" smtClean="0">
+                <a:solidFill>
+                  <a:schemeClr val="tx1">
+                    <a:lumMod val="50000"/>
+                    <a:lumOff val="50000"/>
+                  </a:schemeClr>
+                </a:solidFill>
+              </a:rPr>
+              <a:t>5,6,24 </a:t>
+            </a:r>
+            <a:endParaRPr lang="de-DE" sz="800" dirty="0">
+              <a:solidFill>
+                <a:schemeClr val="tx1">
+                  <a:lumMod val="50000"/>
+                  <a:lumOff val="50000"/>
+                </a:schemeClr>
+              </a:solidFill>
+            </a:endParaRPr>
+          </a:p>
+        </p:txBody>
+      </p:sp>
     </p:spTree>
     <p:extLst>
       <p:ext uri="{BB962C8B-B14F-4D97-AF65-F5344CB8AC3E}">
@@ -24207,11 +25187,7 @@
             </a:r>
             <a:r>
               <a:rPr lang="de-DE" dirty="0" smtClean="0"/>
-              <a:t>Benchmark SAP </a:t>
-            </a:r>
-            <a:r>
-              <a:rPr lang="de-DE" dirty="0" smtClean="0"/>
-              <a:t>HANA </a:t>
+              <a:t>Benchmark SAP HANA </a:t>
             </a:r>
             <a:r>
               <a:rPr lang="de-DE" dirty="0" err="1" smtClean="0"/>
@@ -24219,11 +25195,7 @@
             </a:r>
             <a:r>
               <a:rPr lang="de-DE" dirty="0" smtClean="0"/>
-              <a:t> </a:t>
-            </a:r>
-            <a:r>
-              <a:rPr lang="de-DE" dirty="0" smtClean="0"/>
-              <a:t>vs. MSSQL</a:t>
+              <a:t> vs. MSSQL</a:t>
             </a:r>
             <a:endParaRPr lang="de-DE" dirty="0"/>
           </a:p>
@@ -24446,21 +25418,21 @@
                 <a:gridCol w="2398426">
                   <a:extLst>
                     <a:ext uri="{9D8B030D-6E8A-4147-A177-3AD203B41FA5}">
-                      <a16:colId xmlns="" xmlns:a16="http://schemas.microsoft.com/office/drawing/2014/main" val="20000"/>
+                      <a16:colId xmlns:a16="http://schemas.microsoft.com/office/drawing/2014/main" xmlns="" val="20000"/>
                     </a:ext>
                   </a:extLst>
                 </a:gridCol>
                 <a:gridCol w="3147935">
                   <a:extLst>
                     <a:ext uri="{9D8B030D-6E8A-4147-A177-3AD203B41FA5}">
-                      <a16:colId xmlns="" xmlns:a16="http://schemas.microsoft.com/office/drawing/2014/main" val="20001"/>
+                      <a16:colId xmlns:a16="http://schemas.microsoft.com/office/drawing/2014/main" xmlns="" val="20001"/>
                     </a:ext>
                   </a:extLst>
                 </a:gridCol>
                 <a:gridCol w="3597639">
                   <a:extLst>
                     <a:ext uri="{9D8B030D-6E8A-4147-A177-3AD203B41FA5}">
-                      <a16:colId xmlns="" xmlns:a16="http://schemas.microsoft.com/office/drawing/2014/main" val="20002"/>
+                      <a16:colId xmlns:a16="http://schemas.microsoft.com/office/drawing/2014/main" xmlns="" val="20002"/>
                     </a:ext>
                   </a:extLst>
                 </a:gridCol>
@@ -24507,7 +25479,7 @@
                 </a:tc>
                 <a:extLst>
                   <a:ext uri="{0D108BD9-81ED-4DB2-BD59-A6C34878D82A}">
-                    <a16:rowId xmlns="" xmlns:a16="http://schemas.microsoft.com/office/drawing/2014/main" val="10000"/>
+                    <a16:rowId xmlns:a16="http://schemas.microsoft.com/office/drawing/2014/main" xmlns="" val="10000"/>
                   </a:ext>
                 </a:extLst>
               </a:tr>
@@ -24765,7 +25737,7 @@
                 </a:tc>
                 <a:extLst>
                   <a:ext uri="{0D108BD9-81ED-4DB2-BD59-A6C34878D82A}">
-                    <a16:rowId xmlns="" xmlns:a16="http://schemas.microsoft.com/office/drawing/2014/main" val="10001"/>
+                    <a16:rowId xmlns:a16="http://schemas.microsoft.com/office/drawing/2014/main" xmlns="" val="10001"/>
                   </a:ext>
                 </a:extLst>
               </a:tr>
@@ -25006,7 +25978,7 @@
                 </a:tc>
                 <a:extLst>
                   <a:ext uri="{0D108BD9-81ED-4DB2-BD59-A6C34878D82A}">
-                    <a16:rowId xmlns="" xmlns:a16="http://schemas.microsoft.com/office/drawing/2014/main" val="10002"/>
+                    <a16:rowId xmlns:a16="http://schemas.microsoft.com/office/drawing/2014/main" xmlns="" val="10002"/>
                   </a:ext>
                 </a:extLst>
               </a:tr>
@@ -25123,21 +26095,21 @@
                 <a:gridCol w="2398426">
                   <a:extLst>
                     <a:ext uri="{9D8B030D-6E8A-4147-A177-3AD203B41FA5}">
-                      <a16:colId xmlns="" xmlns:a16="http://schemas.microsoft.com/office/drawing/2014/main" val="20000"/>
+                      <a16:colId xmlns:a16="http://schemas.microsoft.com/office/drawing/2014/main" xmlns="" val="20000"/>
                     </a:ext>
                   </a:extLst>
                 </a:gridCol>
                 <a:gridCol w="3147935">
                   <a:extLst>
                     <a:ext uri="{9D8B030D-6E8A-4147-A177-3AD203B41FA5}">
-                      <a16:colId xmlns="" xmlns:a16="http://schemas.microsoft.com/office/drawing/2014/main" val="20001"/>
+                      <a16:colId xmlns:a16="http://schemas.microsoft.com/office/drawing/2014/main" xmlns="" val="20001"/>
                     </a:ext>
                   </a:extLst>
                 </a:gridCol>
                 <a:gridCol w="3597639">
                   <a:extLst>
                     <a:ext uri="{9D8B030D-6E8A-4147-A177-3AD203B41FA5}">
-                      <a16:colId xmlns="" xmlns:a16="http://schemas.microsoft.com/office/drawing/2014/main" val="20002"/>
+                      <a16:colId xmlns:a16="http://schemas.microsoft.com/office/drawing/2014/main" xmlns="" val="20002"/>
                     </a:ext>
                   </a:extLst>
                 </a:gridCol>
@@ -25184,7 +26156,7 @@
                 </a:tc>
                 <a:extLst>
                   <a:ext uri="{0D108BD9-81ED-4DB2-BD59-A6C34878D82A}">
-                    <a16:rowId xmlns="" xmlns:a16="http://schemas.microsoft.com/office/drawing/2014/main" val="10000"/>
+                    <a16:rowId xmlns:a16="http://schemas.microsoft.com/office/drawing/2014/main" xmlns="" val="10000"/>
                   </a:ext>
                 </a:extLst>
               </a:tr>
@@ -25324,7 +26296,7 @@
                 </a:tc>
                 <a:extLst>
                   <a:ext uri="{0D108BD9-81ED-4DB2-BD59-A6C34878D82A}">
-                    <a16:rowId xmlns="" xmlns:a16="http://schemas.microsoft.com/office/drawing/2014/main" val="10003"/>
+                    <a16:rowId xmlns:a16="http://schemas.microsoft.com/office/drawing/2014/main" xmlns="" val="10003"/>
                   </a:ext>
                 </a:extLst>
               </a:tr>
@@ -25482,7 +26454,7 @@
                 </a:tc>
                 <a:extLst>
                   <a:ext uri="{0D108BD9-81ED-4DB2-BD59-A6C34878D82A}">
-                    <a16:rowId xmlns="" xmlns:a16="http://schemas.microsoft.com/office/drawing/2014/main" val="10004"/>
+                    <a16:rowId xmlns:a16="http://schemas.microsoft.com/office/drawing/2014/main" xmlns="" val="10004"/>
                   </a:ext>
                 </a:extLst>
               </a:tr>
@@ -25831,7 +26803,7 @@
           <p:cNvPr id="4" name="Textfeld 3">
             <a:extLst>
               <a:ext uri="{FF2B5EF4-FFF2-40B4-BE49-F238E27FC236}">
-                <a16:creationId xmlns:a16="http://schemas.microsoft.com/office/drawing/2014/main" xmlns="" id="{55A35DED-7D1A-4C8F-934D-D5CD3FC3279C}"/>
+                <a16:creationId xmlns="" xmlns:a16="http://schemas.microsoft.com/office/drawing/2014/main" id="{55A35DED-7D1A-4C8F-934D-D5CD3FC3279C}"/>
               </a:ext>
             </a:extLst>
           </p:cNvPr>
@@ -25992,7 +26964,7 @@
           <p:cNvPr id="2" name="Textfeld 1">
             <a:extLst>
               <a:ext uri="{FF2B5EF4-FFF2-40B4-BE49-F238E27FC236}">
-                <a16:creationId xmlns:a16="http://schemas.microsoft.com/office/drawing/2014/main" xmlns="" id="{EE675E94-0876-4BA0-B88E-E9918706E963}"/>
+                <a16:creationId xmlns="" xmlns:a16="http://schemas.microsoft.com/office/drawing/2014/main" id="{EE675E94-0876-4BA0-B88E-E9918706E963}"/>
               </a:ext>
             </a:extLst>
           </p:cNvPr>
@@ -26051,7 +27023,7 @@
           <p:cNvPr id="5" name="Rechteck 4">
             <a:extLst>
               <a:ext uri="{FF2B5EF4-FFF2-40B4-BE49-F238E27FC236}">
-                <a16:creationId xmlns:a16="http://schemas.microsoft.com/office/drawing/2014/main" xmlns="" id="{F072B02F-E3D9-4007-A22A-DC4B939F3467}"/>
+                <a16:creationId xmlns="" xmlns:a16="http://schemas.microsoft.com/office/drawing/2014/main" id="{F072B02F-E3D9-4007-A22A-DC4B939F3467}"/>
               </a:ext>
             </a:extLst>
           </p:cNvPr>
@@ -26164,7 +27136,7 @@
           <p:cNvPr id="7" name="Rechteck 6">
             <a:extLst>
               <a:ext uri="{FF2B5EF4-FFF2-40B4-BE49-F238E27FC236}">
-                <a16:creationId xmlns:a16="http://schemas.microsoft.com/office/drawing/2014/main" xmlns="" id="{1E945762-E3FA-427D-B868-C19D70CE423B}"/>
+                <a16:creationId xmlns="" xmlns:a16="http://schemas.microsoft.com/office/drawing/2014/main" id="{1E945762-E3FA-427D-B868-C19D70CE423B}"/>
               </a:ext>
             </a:extLst>
           </p:cNvPr>
@@ -26833,7 +27805,7 @@
         <p:spPr>
           <a:xfrm>
             <a:off x="432000" y="980728"/>
-            <a:ext cx="8316464" cy="3108543"/>
+            <a:ext cx="8316464" cy="3754874"/>
           </a:xfrm>
           <a:prstGeom prst="rect">
             <a:avLst/>
@@ -26942,9 +27914,48 @@
               <a:buAutoNum type="arabicPeriod" startAt="15"/>
             </a:pPr>
             <a:r>
+              <a:rPr lang="de-DE" sz="1400" dirty="0">
+                <a:hlinkClick r:id="rId8"/>
+              </a:rPr>
+              <a:t>https://</a:t>
+            </a:r>
+            <a:r>
+              <a:rPr lang="de-DE" sz="1400" dirty="0" smtClean="0">
+                <a:hlinkClick r:id="rId8"/>
+              </a:rPr>
+              <a:t>www.sap.com/content/dam/application/shared/icons/dev-hxe.svg</a:t>
+            </a:r>
+            <a:endParaRPr lang="de-DE" sz="1400" dirty="0" smtClean="0"/>
+          </a:p>
+          <a:p>
+            <a:pPr marL="457200" indent="-457200">
+              <a:buFont typeface="+mj-lt"/>
+              <a:buAutoNum type="arabicPeriod" startAt="15"/>
+            </a:pPr>
+            <a:r>
+              <a:rPr lang="de-DE" sz="1400" dirty="0">
+                <a:hlinkClick r:id="rId9"/>
+              </a:rPr>
+              <a:t>https://</a:t>
+            </a:r>
+            <a:r>
+              <a:rPr lang="de-DE" sz="1400" dirty="0" smtClean="0">
+                <a:hlinkClick r:id="rId9"/>
+              </a:rPr>
+              <a:t>www.youtube.com/watch?v=5qEoEAfAer8</a:t>
+            </a:r>
+            <a:endParaRPr lang="de-DE" sz="1400" dirty="0" smtClean="0"/>
+          </a:p>
+          <a:p>
+            <a:pPr marL="457200" indent="-457200">
+              <a:buFont typeface="+mj-lt"/>
+              <a:buAutoNum type="arabicPeriod" startAt="15"/>
+            </a:pPr>
+            <a:r>
               <a:rPr lang="de-DE" sz="1400" dirty="0"/>
-              <a:t>https://www.sap.com/content/dam/application/shared/icons/dev-hxe.svg</a:t>
-            </a:r>
+              <a:t>https://upload.wikimedia.org/wikipedia/commons/thumb/5/5e/Cassandra_logo.svg/2000px-Cassandra_logo.svg.png</a:t>
+            </a:r>
+            <a:endParaRPr lang="de-DE" sz="1400" dirty="0"/>
           </a:p>
           <a:p>
             <a:pPr marL="457200" indent="-457200">
@@ -27064,7 +28075,7 @@
           <p:cNvPr id="6" name="Textfeld 5">
             <a:extLst>
               <a:ext uri="{FF2B5EF4-FFF2-40B4-BE49-F238E27FC236}">
-                <a16:creationId xmlns:a16="http://schemas.microsoft.com/office/drawing/2014/main" xmlns="" id="{44B7FBE0-C7B3-436D-8940-0475C8A5C506}"/>
+                <a16:creationId xmlns="" xmlns:a16="http://schemas.microsoft.com/office/drawing/2014/main" id="{44B7FBE0-C7B3-436D-8940-0475C8A5C506}"/>
               </a:ext>
             </a:extLst>
           </p:cNvPr>
@@ -27194,7 +28205,7 @@
           <p:cNvPr id="4" name="Textfeld 3">
             <a:extLst>
               <a:ext uri="{FF2B5EF4-FFF2-40B4-BE49-F238E27FC236}">
-                <a16:creationId xmlns="" xmlns:a16="http://schemas.microsoft.com/office/drawing/2014/main" id="{55A35DED-7D1A-4C8F-934D-D5CD3FC3279C}"/>
+                <a16:creationId xmlns:a16="http://schemas.microsoft.com/office/drawing/2014/main" xmlns="" id="{55A35DED-7D1A-4C8F-934D-D5CD3FC3279C}"/>
               </a:ext>
             </a:extLst>
           </p:cNvPr>
@@ -27224,11 +28235,7 @@
             </a:pPr>
             <a:r>
               <a:rPr lang="de-DE" sz="2000" dirty="0" smtClean="0"/>
-              <a:t>SAP </a:t>
-            </a:r>
-            <a:r>
-              <a:rPr lang="de-DE" sz="2000" dirty="0" smtClean="0"/>
-              <a:t>HANA </a:t>
+              <a:t>SAP HANA </a:t>
             </a:r>
             <a:r>
               <a:rPr lang="de-DE" sz="2000" dirty="0" err="1" smtClean="0"/>
@@ -27240,11 +28247,7 @@
             </a:r>
             <a:r>
               <a:rPr lang="de-DE" sz="1800" dirty="0" smtClean="0"/>
-              <a:t> </a:t>
-            </a:r>
-            <a:r>
-              <a:rPr lang="de-DE" sz="1800" dirty="0" smtClean="0"/>
-              <a:t>Winkler</a:t>
+              <a:t> Winkler</a:t>
             </a:r>
           </a:p>
           <a:p>
@@ -27365,7 +28368,7 @@
           <p:cNvPr id="6" name="Textfeld 5">
             <a:extLst>
               <a:ext uri="{FF2B5EF4-FFF2-40B4-BE49-F238E27FC236}">
-                <a16:creationId xmlns="" xmlns:a16="http://schemas.microsoft.com/office/drawing/2014/main" id="{55A35DED-7D1A-4C8F-934D-D5CD3FC3279C}"/>
+                <a16:creationId xmlns:a16="http://schemas.microsoft.com/office/drawing/2014/main" xmlns="" id="{55A35DED-7D1A-4C8F-934D-D5CD3FC3279C}"/>
               </a:ext>
             </a:extLst>
           </p:cNvPr>
@@ -27534,7 +28537,7 @@
           <p:cNvPr id="4" name="Textfeld 3">
             <a:extLst>
               <a:ext uri="{FF2B5EF4-FFF2-40B4-BE49-F238E27FC236}">
-                <a16:creationId xmlns="" xmlns:a16="http://schemas.microsoft.com/office/drawing/2014/main" id="{55A35DED-7D1A-4C8F-934D-D5CD3FC3279C}"/>
+                <a16:creationId xmlns:a16="http://schemas.microsoft.com/office/drawing/2014/main" xmlns="" id="{55A35DED-7D1A-4C8F-934D-D5CD3FC3279C}"/>
               </a:ext>
             </a:extLst>
           </p:cNvPr>
